--- a/Final Presentation.pptx
+++ b/Final Presentation.pptx
@@ -5,25 +5,26 @@
     <p:sldMasterId id="2147483756" r:id="rId1"/>
   </p:sldMasterIdLst>
   <p:notesMasterIdLst>
-    <p:notesMasterId r:id="rId18"/>
+    <p:notesMasterId r:id="rId19"/>
   </p:notesMasterIdLst>
   <p:sldIdLst>
     <p:sldId id="256" r:id="rId2"/>
     <p:sldId id="257" r:id="rId3"/>
-    <p:sldId id="258" r:id="rId4"/>
-    <p:sldId id="278" r:id="rId5"/>
-    <p:sldId id="259" r:id="rId6"/>
-    <p:sldId id="284" r:id="rId7"/>
-    <p:sldId id="279" r:id="rId8"/>
-    <p:sldId id="285" r:id="rId9"/>
-    <p:sldId id="280" r:id="rId10"/>
-    <p:sldId id="286" r:id="rId11"/>
-    <p:sldId id="287" r:id="rId12"/>
-    <p:sldId id="288" r:id="rId13"/>
-    <p:sldId id="290" r:id="rId14"/>
-    <p:sldId id="289" r:id="rId15"/>
-    <p:sldId id="291" r:id="rId16"/>
-    <p:sldId id="281" r:id="rId17"/>
+    <p:sldId id="292" r:id="rId4"/>
+    <p:sldId id="258" r:id="rId5"/>
+    <p:sldId id="278" r:id="rId6"/>
+    <p:sldId id="259" r:id="rId7"/>
+    <p:sldId id="284" r:id="rId8"/>
+    <p:sldId id="279" r:id="rId9"/>
+    <p:sldId id="285" r:id="rId10"/>
+    <p:sldId id="280" r:id="rId11"/>
+    <p:sldId id="286" r:id="rId12"/>
+    <p:sldId id="287" r:id="rId13"/>
+    <p:sldId id="288" r:id="rId14"/>
+    <p:sldId id="290" r:id="rId15"/>
+    <p:sldId id="289" r:id="rId16"/>
+    <p:sldId id="291" r:id="rId17"/>
+    <p:sldId id="281" r:id="rId18"/>
   </p:sldIdLst>
   <p:sldSz cx="12192000" cy="6858000"/>
   <p:notesSz cx="6858000" cy="9144000"/>
@@ -129,6 +130,7 @@
           <p14:sldIdLst>
             <p14:sldId id="256"/>
             <p14:sldId id="257"/>
+            <p14:sldId id="292"/>
             <p14:sldId id="258"/>
             <p14:sldId id="278"/>
             <p14:sldId id="259"/>
@@ -236,7 +238,7 @@
           <a:p>
             <a:fld id="{97F661C4-048B-476E-BE08-31ABE4BCD5EC}" type="datetimeFigureOut">
               <a:rPr lang="zh-CN" altLang="en-US" smtClean="0"/>
-              <a:t>2019/12/9</a:t>
+              <a:t>2019/12/13</a:t>
             </a:fld>
             <a:endParaRPr lang="zh-CN" altLang="en-US"/>
           </a:p>
@@ -642,7 +644,7 @@
           <a:p>
             <a:fld id="{271ED00F-3310-45D0-9DFE-4C8423ECACDF}" type="datetimeFigureOut">
               <a:rPr lang="zh-CN" altLang="en-US" smtClean="0"/>
-              <a:t>2019/12/9</a:t>
+              <a:t>2019/12/13</a:t>
             </a:fld>
             <a:endParaRPr lang="zh-CN" altLang="en-US"/>
           </a:p>
@@ -822,7 +824,7 @@
           <a:p>
             <a:fld id="{271ED00F-3310-45D0-9DFE-4C8423ECACDF}" type="datetimeFigureOut">
               <a:rPr lang="zh-CN" altLang="en-US" smtClean="0"/>
-              <a:t>2019/12/9</a:t>
+              <a:t>2019/12/13</a:t>
             </a:fld>
             <a:endParaRPr lang="zh-CN" altLang="en-US"/>
           </a:p>
@@ -1006,7 +1008,7 @@
           <a:p>
             <a:fld id="{271ED00F-3310-45D0-9DFE-4C8423ECACDF}" type="datetimeFigureOut">
               <a:rPr lang="zh-CN" altLang="en-US" smtClean="0"/>
-              <a:t>2019/12/9</a:t>
+              <a:t>2019/12/13</a:t>
             </a:fld>
             <a:endParaRPr lang="zh-CN" altLang="en-US"/>
           </a:p>
@@ -1254,7 +1256,7 @@
           <a:p>
             <a:fld id="{271ED00F-3310-45D0-9DFE-4C8423ECACDF}" type="datetimeFigureOut">
               <a:rPr lang="zh-CN" altLang="en-US" smtClean="0"/>
-              <a:t>2019/12/9</a:t>
+              <a:t>2019/12/13</a:t>
             </a:fld>
             <a:endParaRPr lang="zh-CN" altLang="en-US"/>
           </a:p>
@@ -1502,7 +1504,7 @@
           <a:p>
             <a:fld id="{271ED00F-3310-45D0-9DFE-4C8423ECACDF}" type="datetimeFigureOut">
               <a:rPr lang="zh-CN" altLang="en-US" smtClean="0"/>
-              <a:t>2019/12/9</a:t>
+              <a:t>2019/12/13</a:t>
             </a:fld>
             <a:endParaRPr lang="zh-CN" altLang="en-US"/>
           </a:p>
@@ -1739,7 +1741,7 @@
           <a:p>
             <a:fld id="{271ED00F-3310-45D0-9DFE-4C8423ECACDF}" type="datetimeFigureOut">
               <a:rPr lang="zh-CN" altLang="en-US" smtClean="0"/>
-              <a:t>2019/12/9</a:t>
+              <a:t>2019/12/13</a:t>
             </a:fld>
             <a:endParaRPr lang="zh-CN" altLang="en-US"/>
           </a:p>
@@ -2124,7 +2126,7 @@
           <a:p>
             <a:fld id="{271ED00F-3310-45D0-9DFE-4C8423ECACDF}" type="datetimeFigureOut">
               <a:rPr lang="zh-CN" altLang="en-US" smtClean="0"/>
-              <a:t>2019/12/9</a:t>
+              <a:t>2019/12/13</a:t>
             </a:fld>
             <a:endParaRPr lang="zh-CN" altLang="en-US"/>
           </a:p>
@@ -2242,7 +2244,7 @@
           <a:p>
             <a:fld id="{271ED00F-3310-45D0-9DFE-4C8423ECACDF}" type="datetimeFigureOut">
               <a:rPr lang="zh-CN" altLang="en-US" smtClean="0"/>
-              <a:t>2019/12/9</a:t>
+              <a:t>2019/12/13</a:t>
             </a:fld>
             <a:endParaRPr lang="zh-CN" altLang="en-US"/>
           </a:p>
@@ -2337,7 +2339,7 @@
           <a:p>
             <a:fld id="{271ED00F-3310-45D0-9DFE-4C8423ECACDF}" type="datetimeFigureOut">
               <a:rPr lang="zh-CN" altLang="en-US" smtClean="0"/>
-              <a:t>2019/12/9</a:t>
+              <a:t>2019/12/13</a:t>
             </a:fld>
             <a:endParaRPr lang="zh-CN" altLang="en-US"/>
           </a:p>
@@ -2588,7 +2590,7 @@
           <a:p>
             <a:fld id="{271ED00F-3310-45D0-9DFE-4C8423ECACDF}" type="datetimeFigureOut">
               <a:rPr lang="zh-CN" altLang="en-US" smtClean="0"/>
-              <a:t>2019/12/9</a:t>
+              <a:t>2019/12/13</a:t>
             </a:fld>
             <a:endParaRPr lang="zh-CN" altLang="en-US"/>
           </a:p>
@@ -2979,7 +2981,7 @@
           <a:p>
             <a:fld id="{271ED00F-3310-45D0-9DFE-4C8423ECACDF}" type="datetimeFigureOut">
               <a:rPr lang="zh-CN" altLang="en-US" smtClean="0"/>
-              <a:t>2019/12/9</a:t>
+              <a:t>2019/12/13</a:t>
             </a:fld>
             <a:endParaRPr lang="zh-CN" altLang="en-US"/>
           </a:p>
@@ -3204,7 +3206,7 @@
                 </a:solidFill>
               </a:rPr>
               <a:pPr/>
-              <a:t>2019/12/9</a:t>
+              <a:t>2019/12/13</a:t>
             </a:fld>
             <a:endParaRPr lang="zh-CN" altLang="en-US">
               <a:solidFill>
@@ -4733,6 +4735,900 @@
           <a:chExt cx="0" cy="0"/>
         </a:xfrm>
       </p:grpSpPr>
+      <p:pic>
+        <p:nvPicPr>
+          <p:cNvPr id="5" name="图片 4" descr="图片包含 文字&#10;&#10;已生成极高可信度的说明">
+            <a:extLst>
+              <a:ext uri="{FF2B5EF4-FFF2-40B4-BE49-F238E27FC236}">
+                <a16:creationId xmlns:a16="http://schemas.microsoft.com/office/drawing/2014/main" id="{DBB7A6F5-485A-41A5-B101-165F44B401B3}"/>
+              </a:ext>
+            </a:extLst>
+          </p:cNvPr>
+          <p:cNvPicPr>
+            <a:picLocks noChangeAspect="1"/>
+          </p:cNvPicPr>
+          <p:nvPr/>
+        </p:nvPicPr>
+        <p:blipFill>
+          <a:blip r:embed="rId2">
+            <a:extLst>
+              <a:ext uri="{28A0092B-C50C-407E-A947-70E740481C1C}">
+                <a14:useLocalDpi xmlns:a14="http://schemas.microsoft.com/office/drawing/2010/main" val="0"/>
+              </a:ext>
+            </a:extLst>
+          </a:blip>
+          <a:stretch>
+            <a:fillRect/>
+          </a:stretch>
+        </p:blipFill>
+        <p:spPr>
+          <a:xfrm>
+            <a:off x="0" y="0"/>
+            <a:ext cx="12192000" cy="6858000"/>
+          </a:xfrm>
+          <a:prstGeom prst="rect">
+            <a:avLst/>
+          </a:prstGeom>
+        </p:spPr>
+      </p:pic>
+      <p:sp>
+        <p:nvSpPr>
+          <p:cNvPr id="6" name="文本框 5">
+            <a:extLst>
+              <a:ext uri="{FF2B5EF4-FFF2-40B4-BE49-F238E27FC236}">
+                <a16:creationId xmlns:a16="http://schemas.microsoft.com/office/drawing/2014/main" id="{DEE7ABFF-053C-4FB8-A8CA-BD9AC614D5FC}"/>
+              </a:ext>
+            </a:extLst>
+          </p:cNvPr>
+          <p:cNvSpPr txBox="1"/>
+          <p:nvPr/>
+        </p:nvSpPr>
+        <p:spPr>
+          <a:xfrm>
+            <a:off x="1038225" y="1790700"/>
+            <a:ext cx="2677721" cy="1200329"/>
+          </a:xfrm>
+          <a:prstGeom prst="rect">
+            <a:avLst/>
+          </a:prstGeom>
+          <a:noFill/>
+        </p:spPr>
+        <p:txBody>
+          <a:bodyPr wrap="none" rtlCol="0">
+            <a:spAutoFit/>
+          </a:bodyPr>
+          <a:lstStyle/>
+          <a:p>
+            <a:r>
+              <a:rPr lang="en-US" altLang="zh-CN" sz="7200" dirty="0">
+                <a:latin typeface="微软雅黑" panose="020B0503020204020204" pitchFamily="34" charset="-122"/>
+                <a:ea typeface="微软雅黑" panose="020B0503020204020204" pitchFamily="34" charset="-122"/>
+              </a:rPr>
+              <a:t>Step4</a:t>
+            </a:r>
+            <a:endParaRPr lang="zh-CN" altLang="en-US" sz="7200" dirty="0">
+              <a:latin typeface="微软雅黑" panose="020B0503020204020204" pitchFamily="34" charset="-122"/>
+              <a:ea typeface="微软雅黑" panose="020B0503020204020204" pitchFamily="34" charset="-122"/>
+            </a:endParaRPr>
+          </a:p>
+        </p:txBody>
+      </p:sp>
+      <p:grpSp>
+        <p:nvGrpSpPr>
+          <p:cNvPr id="13" name="组合 12">
+            <a:extLst>
+              <a:ext uri="{FF2B5EF4-FFF2-40B4-BE49-F238E27FC236}">
+                <a16:creationId xmlns:a16="http://schemas.microsoft.com/office/drawing/2014/main" id="{DC6A3E25-607B-4C26-A1F0-D2FD7B7491B2}"/>
+              </a:ext>
+            </a:extLst>
+          </p:cNvPr>
+          <p:cNvGrpSpPr/>
+          <p:nvPr/>
+        </p:nvGrpSpPr>
+        <p:grpSpPr>
+          <a:xfrm>
+            <a:off x="6238875" y="1762125"/>
+            <a:ext cx="514350" cy="2638425"/>
+            <a:chOff x="5172075" y="1009650"/>
+            <a:chExt cx="514350" cy="2638425"/>
+          </a:xfrm>
+        </p:grpSpPr>
+        <p:cxnSp>
+          <p:nvCxnSpPr>
+            <p:cNvPr id="8" name="直接连接符 7">
+              <a:extLst>
+                <a:ext uri="{FF2B5EF4-FFF2-40B4-BE49-F238E27FC236}">
+                  <a16:creationId xmlns:a16="http://schemas.microsoft.com/office/drawing/2014/main" id="{19299AD8-9D60-4B43-ABC7-2974647016CC}"/>
+                </a:ext>
+              </a:extLst>
+            </p:cNvPr>
+            <p:cNvCxnSpPr/>
+            <p:nvPr/>
+          </p:nvCxnSpPr>
+          <p:spPr>
+            <a:xfrm>
+              <a:off x="5172075" y="1019175"/>
+              <a:ext cx="514350" cy="0"/>
+            </a:xfrm>
+            <a:prstGeom prst="line">
+              <a:avLst/>
+            </a:prstGeom>
+            <a:ln w="19050">
+              <a:solidFill>
+                <a:schemeClr val="tx1"/>
+              </a:solidFill>
+            </a:ln>
+          </p:spPr>
+          <p:style>
+            <a:lnRef idx="1">
+              <a:schemeClr val="accent1"/>
+            </a:lnRef>
+            <a:fillRef idx="0">
+              <a:schemeClr val="accent1"/>
+            </a:fillRef>
+            <a:effectRef idx="0">
+              <a:schemeClr val="accent1"/>
+            </a:effectRef>
+            <a:fontRef idx="minor">
+              <a:schemeClr val="tx1"/>
+            </a:fontRef>
+          </p:style>
+        </p:cxnSp>
+        <p:cxnSp>
+          <p:nvCxnSpPr>
+            <p:cNvPr id="10" name="直接连接符 9">
+              <a:extLst>
+                <a:ext uri="{FF2B5EF4-FFF2-40B4-BE49-F238E27FC236}">
+                  <a16:creationId xmlns:a16="http://schemas.microsoft.com/office/drawing/2014/main" id="{6A37A679-186A-4A1E-B6A5-EFFF25CC42D3}"/>
+                </a:ext>
+              </a:extLst>
+            </p:cNvPr>
+            <p:cNvCxnSpPr/>
+            <p:nvPr/>
+          </p:nvCxnSpPr>
+          <p:spPr>
+            <a:xfrm>
+              <a:off x="5172075" y="1009650"/>
+              <a:ext cx="0" cy="2628900"/>
+            </a:xfrm>
+            <a:prstGeom prst="line">
+              <a:avLst/>
+            </a:prstGeom>
+            <a:ln w="19050">
+              <a:solidFill>
+                <a:schemeClr val="tx1"/>
+              </a:solidFill>
+            </a:ln>
+          </p:spPr>
+          <p:style>
+            <a:lnRef idx="1">
+              <a:schemeClr val="accent1"/>
+            </a:lnRef>
+            <a:fillRef idx="0">
+              <a:schemeClr val="accent1"/>
+            </a:fillRef>
+            <a:effectRef idx="0">
+              <a:schemeClr val="accent1"/>
+            </a:effectRef>
+            <a:fontRef idx="minor">
+              <a:schemeClr val="tx1"/>
+            </a:fontRef>
+          </p:style>
+        </p:cxnSp>
+        <p:cxnSp>
+          <p:nvCxnSpPr>
+            <p:cNvPr id="12" name="直接连接符 11">
+              <a:extLst>
+                <a:ext uri="{FF2B5EF4-FFF2-40B4-BE49-F238E27FC236}">
+                  <a16:creationId xmlns:a16="http://schemas.microsoft.com/office/drawing/2014/main" id="{A598EE68-FC24-4471-8576-188585F328A6}"/>
+                </a:ext>
+              </a:extLst>
+            </p:cNvPr>
+            <p:cNvCxnSpPr/>
+            <p:nvPr/>
+          </p:nvCxnSpPr>
+          <p:spPr>
+            <a:xfrm>
+              <a:off x="5172075" y="3648075"/>
+              <a:ext cx="514350" cy="0"/>
+            </a:xfrm>
+            <a:prstGeom prst="line">
+              <a:avLst/>
+            </a:prstGeom>
+            <a:ln w="19050">
+              <a:solidFill>
+                <a:schemeClr val="tx1"/>
+              </a:solidFill>
+            </a:ln>
+          </p:spPr>
+          <p:style>
+            <a:lnRef idx="1">
+              <a:schemeClr val="accent1"/>
+            </a:lnRef>
+            <a:fillRef idx="0">
+              <a:schemeClr val="accent1"/>
+            </a:fillRef>
+            <a:effectRef idx="0">
+              <a:schemeClr val="accent1"/>
+            </a:effectRef>
+            <a:fontRef idx="minor">
+              <a:schemeClr val="tx1"/>
+            </a:fontRef>
+          </p:style>
+        </p:cxnSp>
+      </p:grpSp>
+      <p:grpSp>
+        <p:nvGrpSpPr>
+          <p:cNvPr id="14" name="组合 13">
+            <a:extLst>
+              <a:ext uri="{FF2B5EF4-FFF2-40B4-BE49-F238E27FC236}">
+                <a16:creationId xmlns:a16="http://schemas.microsoft.com/office/drawing/2014/main" id="{B3EEF745-95A8-47EC-8E31-49CCFC54D799}"/>
+              </a:ext>
+            </a:extLst>
+          </p:cNvPr>
+          <p:cNvGrpSpPr/>
+          <p:nvPr/>
+        </p:nvGrpSpPr>
+        <p:grpSpPr>
+          <a:xfrm flipH="1">
+            <a:off x="9338582" y="1771650"/>
+            <a:ext cx="514350" cy="2638425"/>
+            <a:chOff x="5172075" y="1009650"/>
+            <a:chExt cx="514350" cy="2638425"/>
+          </a:xfrm>
+        </p:grpSpPr>
+        <p:cxnSp>
+          <p:nvCxnSpPr>
+            <p:cNvPr id="15" name="直接连接符 14">
+              <a:extLst>
+                <a:ext uri="{FF2B5EF4-FFF2-40B4-BE49-F238E27FC236}">
+                  <a16:creationId xmlns:a16="http://schemas.microsoft.com/office/drawing/2014/main" id="{350EF985-F7A6-44D0-BC46-05E47DB63BD3}"/>
+                </a:ext>
+              </a:extLst>
+            </p:cNvPr>
+            <p:cNvCxnSpPr/>
+            <p:nvPr/>
+          </p:nvCxnSpPr>
+          <p:spPr>
+            <a:xfrm>
+              <a:off x="5172075" y="1019175"/>
+              <a:ext cx="514350" cy="0"/>
+            </a:xfrm>
+            <a:prstGeom prst="line">
+              <a:avLst/>
+            </a:prstGeom>
+            <a:ln w="19050">
+              <a:solidFill>
+                <a:schemeClr val="tx1"/>
+              </a:solidFill>
+            </a:ln>
+          </p:spPr>
+          <p:style>
+            <a:lnRef idx="1">
+              <a:schemeClr val="accent1"/>
+            </a:lnRef>
+            <a:fillRef idx="0">
+              <a:schemeClr val="accent1"/>
+            </a:fillRef>
+            <a:effectRef idx="0">
+              <a:schemeClr val="accent1"/>
+            </a:effectRef>
+            <a:fontRef idx="minor">
+              <a:schemeClr val="tx1"/>
+            </a:fontRef>
+          </p:style>
+        </p:cxnSp>
+        <p:cxnSp>
+          <p:nvCxnSpPr>
+            <p:cNvPr id="16" name="直接连接符 15">
+              <a:extLst>
+                <a:ext uri="{FF2B5EF4-FFF2-40B4-BE49-F238E27FC236}">
+                  <a16:creationId xmlns:a16="http://schemas.microsoft.com/office/drawing/2014/main" id="{613158D7-B3B7-4F14-B3C0-9F0F0E156F36}"/>
+                </a:ext>
+              </a:extLst>
+            </p:cNvPr>
+            <p:cNvCxnSpPr/>
+            <p:nvPr/>
+          </p:nvCxnSpPr>
+          <p:spPr>
+            <a:xfrm>
+              <a:off x="5172075" y="1009650"/>
+              <a:ext cx="0" cy="2628900"/>
+            </a:xfrm>
+            <a:prstGeom prst="line">
+              <a:avLst/>
+            </a:prstGeom>
+            <a:ln w="19050">
+              <a:solidFill>
+                <a:schemeClr val="tx1"/>
+              </a:solidFill>
+            </a:ln>
+          </p:spPr>
+          <p:style>
+            <a:lnRef idx="1">
+              <a:schemeClr val="accent1"/>
+            </a:lnRef>
+            <a:fillRef idx="0">
+              <a:schemeClr val="accent1"/>
+            </a:fillRef>
+            <a:effectRef idx="0">
+              <a:schemeClr val="accent1"/>
+            </a:effectRef>
+            <a:fontRef idx="minor">
+              <a:schemeClr val="tx1"/>
+            </a:fontRef>
+          </p:style>
+        </p:cxnSp>
+        <p:cxnSp>
+          <p:nvCxnSpPr>
+            <p:cNvPr id="17" name="直接连接符 16">
+              <a:extLst>
+                <a:ext uri="{FF2B5EF4-FFF2-40B4-BE49-F238E27FC236}">
+                  <a16:creationId xmlns:a16="http://schemas.microsoft.com/office/drawing/2014/main" id="{9699D8AB-8915-4F83-BEED-2722898F14E3}"/>
+                </a:ext>
+              </a:extLst>
+            </p:cNvPr>
+            <p:cNvCxnSpPr/>
+            <p:nvPr/>
+          </p:nvCxnSpPr>
+          <p:spPr>
+            <a:xfrm>
+              <a:off x="5172075" y="3648075"/>
+              <a:ext cx="514350" cy="0"/>
+            </a:xfrm>
+            <a:prstGeom prst="line">
+              <a:avLst/>
+            </a:prstGeom>
+            <a:ln w="19050">
+              <a:solidFill>
+                <a:schemeClr val="tx1"/>
+              </a:solidFill>
+            </a:ln>
+          </p:spPr>
+          <p:style>
+            <a:lnRef idx="1">
+              <a:schemeClr val="accent1"/>
+            </a:lnRef>
+            <a:fillRef idx="0">
+              <a:schemeClr val="accent1"/>
+            </a:fillRef>
+            <a:effectRef idx="0">
+              <a:schemeClr val="accent1"/>
+            </a:effectRef>
+            <a:fontRef idx="minor">
+              <a:schemeClr val="tx1"/>
+            </a:fontRef>
+          </p:style>
+        </p:cxnSp>
+      </p:grpSp>
+      <p:sp>
+        <p:nvSpPr>
+          <p:cNvPr id="18" name="矩形 17">
+            <a:extLst>
+              <a:ext uri="{FF2B5EF4-FFF2-40B4-BE49-F238E27FC236}">
+                <a16:creationId xmlns:a16="http://schemas.microsoft.com/office/drawing/2014/main" id="{268489CE-A8A8-49A9-9CE7-B88650BB13F9}"/>
+              </a:ext>
+            </a:extLst>
+          </p:cNvPr>
+          <p:cNvSpPr/>
+          <p:nvPr/>
+        </p:nvSpPr>
+        <p:spPr>
+          <a:xfrm>
+            <a:off x="7145657" y="1596509"/>
+            <a:ext cx="2227726" cy="369332"/>
+          </a:xfrm>
+          <a:prstGeom prst="rect">
+            <a:avLst/>
+          </a:prstGeom>
+        </p:spPr>
+        <p:txBody>
+          <a:bodyPr wrap="none">
+            <a:spAutoFit/>
+          </a:bodyPr>
+          <a:lstStyle/>
+          <a:p>
+            <a:r>
+              <a:rPr lang="en-US" altLang="zh-CN" dirty="0"/>
+              <a:t>Export data to MySQL</a:t>
+            </a:r>
+            <a:endParaRPr lang="zh-CN" altLang="en-US" dirty="0"/>
+          </a:p>
+        </p:txBody>
+      </p:sp>
+      <p:sp>
+        <p:nvSpPr>
+          <p:cNvPr id="19" name="矩形 18">
+            <a:extLst>
+              <a:ext uri="{FF2B5EF4-FFF2-40B4-BE49-F238E27FC236}">
+                <a16:creationId xmlns:a16="http://schemas.microsoft.com/office/drawing/2014/main" id="{66D50FBB-4F23-41BB-AEC6-75DBBCFEAA3B}"/>
+              </a:ext>
+            </a:extLst>
+          </p:cNvPr>
+          <p:cNvSpPr/>
+          <p:nvPr/>
+        </p:nvSpPr>
+        <p:spPr>
+          <a:xfrm>
+            <a:off x="6595383" y="2474223"/>
+            <a:ext cx="3038475" cy="646331"/>
+          </a:xfrm>
+          <a:prstGeom prst="rect">
+            <a:avLst/>
+          </a:prstGeom>
+        </p:spPr>
+        <p:txBody>
+          <a:bodyPr wrap="square">
+            <a:spAutoFit/>
+          </a:bodyPr>
+          <a:lstStyle/>
+          <a:p>
+            <a:r>
+              <a:rPr lang="en-US" altLang="zh-CN" sz="1200" dirty="0">
+                <a:solidFill>
+                  <a:schemeClr val="tx2">
+                    <a:lumMod val="25000"/>
+                  </a:schemeClr>
+                </a:solidFill>
+              </a:rPr>
+              <a:t>Since we are building a web application, I decided to use MySQL as relational database for performance and convenience.</a:t>
+            </a:r>
+            <a:endParaRPr lang="zh-CN" altLang="en-US" sz="1200" dirty="0">
+              <a:solidFill>
+                <a:schemeClr val="tx2">
+                  <a:lumMod val="25000"/>
+                </a:schemeClr>
+              </a:solidFill>
+            </a:endParaRPr>
+          </a:p>
+        </p:txBody>
+      </p:sp>
+    </p:spTree>
+    <p:extLst>
+      <p:ext uri="{BB962C8B-B14F-4D97-AF65-F5344CB8AC3E}">
+        <p14:creationId xmlns:p14="http://schemas.microsoft.com/office/powerpoint/2010/main" val="2438401503"/>
+      </p:ext>
+    </p:extLst>
+  </p:cSld>
+  <p:clrMapOvr>
+    <a:masterClrMapping/>
+  </p:clrMapOvr>
+  <mc:AlternateContent xmlns:mc="http://schemas.openxmlformats.org/markup-compatibility/2006" xmlns:p14="http://schemas.microsoft.com/office/powerpoint/2010/main">
+    <mc:Choice Requires="p14">
+      <p:transition spd="slow" p14:dur="1500">
+        <p:random/>
+      </p:transition>
+    </mc:Choice>
+    <mc:Fallback xmlns="">
+      <p:transition spd="slow">
+        <p:random/>
+      </p:transition>
+    </mc:Fallback>
+  </mc:AlternateContent>
+  <p:timing>
+    <p:tnLst>
+      <p:par>
+        <p:cTn id="1" dur="indefinite" restart="never" nodeType="tmRoot">
+          <p:childTnLst>
+            <p:seq concurrent="1" nextAc="seek">
+              <p:cTn id="2" dur="indefinite" nodeType="mainSeq">
+                <p:childTnLst>
+                  <p:par>
+                    <p:cTn id="3" fill="hold">
+                      <p:stCondLst>
+                        <p:cond delay="indefinite"/>
+                      </p:stCondLst>
+                      <p:childTnLst>
+                        <p:par>
+                          <p:cTn id="4" fill="hold">
+                            <p:stCondLst>
+                              <p:cond delay="0"/>
+                            </p:stCondLst>
+                            <p:childTnLst>
+                              <p:par>
+                                <p:cTn id="5" presetID="18" presetClass="entr" presetSubtype="12" fill="hold" nodeType="clickEffect">
+                                  <p:stCondLst>
+                                    <p:cond delay="0"/>
+                                  </p:stCondLst>
+                                  <p:childTnLst>
+                                    <p:set>
+                                      <p:cBhvr>
+                                        <p:cTn id="6" dur="1" fill="hold">
+                                          <p:stCondLst>
+                                            <p:cond delay="0"/>
+                                          </p:stCondLst>
+                                        </p:cTn>
+                                        <p:tgtEl>
+                                          <p:spTgt spid="5"/>
+                                        </p:tgtEl>
+                                        <p:attrNameLst>
+                                          <p:attrName>style.visibility</p:attrName>
+                                        </p:attrNameLst>
+                                      </p:cBhvr>
+                                      <p:to>
+                                        <p:strVal val="visible"/>
+                                      </p:to>
+                                    </p:set>
+                                    <p:animEffect transition="in" filter="strips(downLeft)">
+                                      <p:cBhvr>
+                                        <p:cTn id="7" dur="500"/>
+                                        <p:tgtEl>
+                                          <p:spTgt spid="5"/>
+                                        </p:tgtEl>
+                                      </p:cBhvr>
+                                    </p:animEffect>
+                                  </p:childTnLst>
+                                </p:cTn>
+                              </p:par>
+                            </p:childTnLst>
+                          </p:cTn>
+                        </p:par>
+                      </p:childTnLst>
+                    </p:cTn>
+                  </p:par>
+                  <p:par>
+                    <p:cTn id="8" fill="hold">
+                      <p:stCondLst>
+                        <p:cond delay="indefinite"/>
+                      </p:stCondLst>
+                      <p:childTnLst>
+                        <p:par>
+                          <p:cTn id="9" fill="hold">
+                            <p:stCondLst>
+                              <p:cond delay="0"/>
+                            </p:stCondLst>
+                            <p:childTnLst>
+                              <p:par>
+                                <p:cTn id="10" presetID="12" presetClass="entr" presetSubtype="2" fill="hold" grpId="0" nodeType="clickEffect">
+                                  <p:stCondLst>
+                                    <p:cond delay="0"/>
+                                  </p:stCondLst>
+                                  <p:childTnLst>
+                                    <p:set>
+                                      <p:cBhvr>
+                                        <p:cTn id="11" dur="1" fill="hold">
+                                          <p:stCondLst>
+                                            <p:cond delay="0"/>
+                                          </p:stCondLst>
+                                        </p:cTn>
+                                        <p:tgtEl>
+                                          <p:spTgt spid="6"/>
+                                        </p:tgtEl>
+                                        <p:attrNameLst>
+                                          <p:attrName>style.visibility</p:attrName>
+                                        </p:attrNameLst>
+                                      </p:cBhvr>
+                                      <p:to>
+                                        <p:strVal val="visible"/>
+                                      </p:to>
+                                    </p:set>
+                                    <p:anim calcmode="lin" valueType="num">
+                                      <p:cBhvr additive="base">
+                                        <p:cTn id="12" dur="500"/>
+                                        <p:tgtEl>
+                                          <p:spTgt spid="6"/>
+                                        </p:tgtEl>
+                                        <p:attrNameLst>
+                                          <p:attrName>ppt_x</p:attrName>
+                                        </p:attrNameLst>
+                                      </p:cBhvr>
+                                      <p:tavLst>
+                                        <p:tav tm="0">
+                                          <p:val>
+                                            <p:strVal val="#ppt_x+#ppt_w*1.125000"/>
+                                          </p:val>
+                                        </p:tav>
+                                        <p:tav tm="100000">
+                                          <p:val>
+                                            <p:strVal val="#ppt_x"/>
+                                          </p:val>
+                                        </p:tav>
+                                      </p:tavLst>
+                                    </p:anim>
+                                    <p:animEffect transition="in" filter="wipe(left)">
+                                      <p:cBhvr>
+                                        <p:cTn id="13" dur="500"/>
+                                        <p:tgtEl>
+                                          <p:spTgt spid="6"/>
+                                        </p:tgtEl>
+                                      </p:cBhvr>
+                                    </p:animEffect>
+                                  </p:childTnLst>
+                                </p:cTn>
+                              </p:par>
+                            </p:childTnLst>
+                          </p:cTn>
+                        </p:par>
+                      </p:childTnLst>
+                    </p:cTn>
+                  </p:par>
+                  <p:par>
+                    <p:cTn id="14" fill="hold">
+                      <p:stCondLst>
+                        <p:cond delay="indefinite"/>
+                      </p:stCondLst>
+                      <p:childTnLst>
+                        <p:par>
+                          <p:cTn id="15" fill="hold">
+                            <p:stCondLst>
+                              <p:cond delay="0"/>
+                            </p:stCondLst>
+                            <p:childTnLst>
+                              <p:par>
+                                <p:cTn id="16" presetID="22" presetClass="entr" presetSubtype="8" fill="hold" nodeType="clickEffect">
+                                  <p:stCondLst>
+                                    <p:cond delay="0"/>
+                                  </p:stCondLst>
+                                  <p:childTnLst>
+                                    <p:set>
+                                      <p:cBhvr>
+                                        <p:cTn id="17" dur="1" fill="hold">
+                                          <p:stCondLst>
+                                            <p:cond delay="0"/>
+                                          </p:stCondLst>
+                                        </p:cTn>
+                                        <p:tgtEl>
+                                          <p:spTgt spid="13"/>
+                                        </p:tgtEl>
+                                        <p:attrNameLst>
+                                          <p:attrName>style.visibility</p:attrName>
+                                        </p:attrNameLst>
+                                      </p:cBhvr>
+                                      <p:to>
+                                        <p:strVal val="visible"/>
+                                      </p:to>
+                                    </p:set>
+                                    <p:animEffect transition="in" filter="wipe(left)">
+                                      <p:cBhvr>
+                                        <p:cTn id="18" dur="500"/>
+                                        <p:tgtEl>
+                                          <p:spTgt spid="13"/>
+                                        </p:tgtEl>
+                                      </p:cBhvr>
+                                    </p:animEffect>
+                                  </p:childTnLst>
+                                </p:cTn>
+                              </p:par>
+                              <p:par>
+                                <p:cTn id="19" presetID="22" presetClass="entr" presetSubtype="2" fill="hold" nodeType="withEffect">
+                                  <p:stCondLst>
+                                    <p:cond delay="0"/>
+                                  </p:stCondLst>
+                                  <p:childTnLst>
+                                    <p:set>
+                                      <p:cBhvr>
+                                        <p:cTn id="20" dur="1" fill="hold">
+                                          <p:stCondLst>
+                                            <p:cond delay="0"/>
+                                          </p:stCondLst>
+                                        </p:cTn>
+                                        <p:tgtEl>
+                                          <p:spTgt spid="14"/>
+                                        </p:tgtEl>
+                                        <p:attrNameLst>
+                                          <p:attrName>style.visibility</p:attrName>
+                                        </p:attrNameLst>
+                                      </p:cBhvr>
+                                      <p:to>
+                                        <p:strVal val="visible"/>
+                                      </p:to>
+                                    </p:set>
+                                    <p:animEffect transition="in" filter="wipe(right)">
+                                      <p:cBhvr>
+                                        <p:cTn id="21" dur="500"/>
+                                        <p:tgtEl>
+                                          <p:spTgt spid="14"/>
+                                        </p:tgtEl>
+                                      </p:cBhvr>
+                                    </p:animEffect>
+                                  </p:childTnLst>
+                                </p:cTn>
+                              </p:par>
+                            </p:childTnLst>
+                          </p:cTn>
+                        </p:par>
+                      </p:childTnLst>
+                    </p:cTn>
+                  </p:par>
+                  <p:par>
+                    <p:cTn id="22" fill="hold">
+                      <p:stCondLst>
+                        <p:cond delay="indefinite"/>
+                      </p:stCondLst>
+                      <p:childTnLst>
+                        <p:par>
+                          <p:cTn id="23" fill="hold">
+                            <p:stCondLst>
+                              <p:cond delay="0"/>
+                            </p:stCondLst>
+                            <p:childTnLst>
+                              <p:par>
+                                <p:cTn id="24" presetID="14" presetClass="entr" presetSubtype="10" fill="hold" grpId="0" nodeType="clickEffect">
+                                  <p:stCondLst>
+                                    <p:cond delay="0"/>
+                                  </p:stCondLst>
+                                  <p:childTnLst>
+                                    <p:set>
+                                      <p:cBhvr>
+                                        <p:cTn id="25" dur="1" fill="hold">
+                                          <p:stCondLst>
+                                            <p:cond delay="0"/>
+                                          </p:stCondLst>
+                                        </p:cTn>
+                                        <p:tgtEl>
+                                          <p:spTgt spid="18"/>
+                                        </p:tgtEl>
+                                        <p:attrNameLst>
+                                          <p:attrName>style.visibility</p:attrName>
+                                        </p:attrNameLst>
+                                      </p:cBhvr>
+                                      <p:to>
+                                        <p:strVal val="visible"/>
+                                      </p:to>
+                                    </p:set>
+                                    <p:animEffect transition="in" filter="randombar(horizontal)">
+                                      <p:cBhvr>
+                                        <p:cTn id="26" dur="500"/>
+                                        <p:tgtEl>
+                                          <p:spTgt spid="18"/>
+                                        </p:tgtEl>
+                                      </p:cBhvr>
+                                    </p:animEffect>
+                                  </p:childTnLst>
+                                </p:cTn>
+                              </p:par>
+                            </p:childTnLst>
+                          </p:cTn>
+                        </p:par>
+                      </p:childTnLst>
+                    </p:cTn>
+                  </p:par>
+                  <p:par>
+                    <p:cTn id="27" fill="hold">
+                      <p:stCondLst>
+                        <p:cond delay="indefinite"/>
+                      </p:stCondLst>
+                      <p:childTnLst>
+                        <p:par>
+                          <p:cTn id="28" fill="hold">
+                            <p:stCondLst>
+                              <p:cond delay="0"/>
+                            </p:stCondLst>
+                            <p:childTnLst>
+                              <p:par>
+                                <p:cTn id="29" presetID="53" presetClass="entr" presetSubtype="16" fill="hold" grpId="0" nodeType="clickEffect">
+                                  <p:stCondLst>
+                                    <p:cond delay="0"/>
+                                  </p:stCondLst>
+                                  <p:childTnLst>
+                                    <p:set>
+                                      <p:cBhvr>
+                                        <p:cTn id="30" dur="1" fill="hold">
+                                          <p:stCondLst>
+                                            <p:cond delay="0"/>
+                                          </p:stCondLst>
+                                        </p:cTn>
+                                        <p:tgtEl>
+                                          <p:spTgt spid="19"/>
+                                        </p:tgtEl>
+                                        <p:attrNameLst>
+                                          <p:attrName>style.visibility</p:attrName>
+                                        </p:attrNameLst>
+                                      </p:cBhvr>
+                                      <p:to>
+                                        <p:strVal val="visible"/>
+                                      </p:to>
+                                    </p:set>
+                                    <p:anim calcmode="lin" valueType="num">
+                                      <p:cBhvr>
+                                        <p:cTn id="31" dur="500" fill="hold"/>
+                                        <p:tgtEl>
+                                          <p:spTgt spid="19"/>
+                                        </p:tgtEl>
+                                        <p:attrNameLst>
+                                          <p:attrName>ppt_w</p:attrName>
+                                        </p:attrNameLst>
+                                      </p:cBhvr>
+                                      <p:tavLst>
+                                        <p:tav tm="0">
+                                          <p:val>
+                                            <p:fltVal val="0"/>
+                                          </p:val>
+                                        </p:tav>
+                                        <p:tav tm="100000">
+                                          <p:val>
+                                            <p:strVal val="#ppt_w"/>
+                                          </p:val>
+                                        </p:tav>
+                                      </p:tavLst>
+                                    </p:anim>
+                                    <p:anim calcmode="lin" valueType="num">
+                                      <p:cBhvr>
+                                        <p:cTn id="32" dur="500" fill="hold"/>
+                                        <p:tgtEl>
+                                          <p:spTgt spid="19"/>
+                                        </p:tgtEl>
+                                        <p:attrNameLst>
+                                          <p:attrName>ppt_h</p:attrName>
+                                        </p:attrNameLst>
+                                      </p:cBhvr>
+                                      <p:tavLst>
+                                        <p:tav tm="0">
+                                          <p:val>
+                                            <p:fltVal val="0"/>
+                                          </p:val>
+                                        </p:tav>
+                                        <p:tav tm="100000">
+                                          <p:val>
+                                            <p:strVal val="#ppt_h"/>
+                                          </p:val>
+                                        </p:tav>
+                                      </p:tavLst>
+                                    </p:anim>
+                                    <p:animEffect transition="in" filter="fade">
+                                      <p:cBhvr>
+                                        <p:cTn id="33" dur="500"/>
+                                        <p:tgtEl>
+                                          <p:spTgt spid="19"/>
+                                        </p:tgtEl>
+                                      </p:cBhvr>
+                                    </p:animEffect>
+                                  </p:childTnLst>
+                                </p:cTn>
+                              </p:par>
+                            </p:childTnLst>
+                          </p:cTn>
+                        </p:par>
+                      </p:childTnLst>
+                    </p:cTn>
+                  </p:par>
+                </p:childTnLst>
+              </p:cTn>
+              <p:prevCondLst>
+                <p:cond evt="onPrev" delay="0">
+                  <p:tgtEl>
+                    <p:sldTgt/>
+                  </p:tgtEl>
+                </p:cond>
+              </p:prevCondLst>
+              <p:nextCondLst>
+                <p:cond evt="onNext" delay="0">
+                  <p:tgtEl>
+                    <p:sldTgt/>
+                  </p:tgtEl>
+                </p:cond>
+              </p:nextCondLst>
+            </p:seq>
+          </p:childTnLst>
+        </p:cTn>
+      </p:par>
+    </p:tnLst>
+    <p:bldLst>
+      <p:bldP spid="6" grpId="0"/>
+      <p:bldP spid="18" grpId="0"/>
+      <p:bldP spid="19" grpId="0"/>
+    </p:bldLst>
+  </p:timing>
+</p:sld>
+</file>
+
+<file path=ppt/slides/slide11.xml><?xml version="1.0" encoding="utf-8"?>
+<p:sld xmlns:a="http://schemas.openxmlformats.org/drawingml/2006/main" xmlns:r="http://schemas.openxmlformats.org/officeDocument/2006/relationships" xmlns:p="http://schemas.openxmlformats.org/presentationml/2006/main">
+  <p:cSld>
+    <p:spTree>
+      <p:nvGrpSpPr>
+        <p:cNvPr id="1" name=""/>
+        <p:cNvGrpSpPr/>
+        <p:nvPr/>
+      </p:nvGrpSpPr>
+      <p:grpSpPr>
+        <a:xfrm>
+          <a:off x="0" y="0"/>
+          <a:ext cx="0" cy="0"/>
+          <a:chOff x="0" y="0"/>
+          <a:chExt cx="0" cy="0"/>
+        </a:xfrm>
+      </p:grpSpPr>
       <p:sp>
         <p:nvSpPr>
           <p:cNvPr id="20" name="矩形 1">
@@ -5524,8 +6420,8 @@
       </p:transition>
     </mc:Fallback>
   </mc:AlternateContent>
-  <mc:AlternateContent xmlns:mc="http://schemas.openxmlformats.org/markup-compatibility/2006">
-    <mc:Choice xmlns:p14="http://schemas.microsoft.com/office/powerpoint/2010/main" Requires="p14">
+  <mc:AlternateContent xmlns:mc="http://schemas.openxmlformats.org/markup-compatibility/2006" xmlns:p14="http://schemas.microsoft.com/office/powerpoint/2010/main">
+    <mc:Choice Requires="p14">
       <p:timing>
         <p:tnLst>
           <p:par>
@@ -6471,7 +7367,7 @@
         </p:bldLst>
       </p:timing>
     </mc:Choice>
-    <mc:Fallback>
+    <mc:Fallback xmlns="">
       <p:timing>
         <p:tnLst>
           <p:par>
@@ -7421,7 +8317,7 @@
 </p:sld>
 </file>
 
-<file path=ppt/slides/slide11.xml><?xml version="1.0" encoding="utf-8"?>
+<file path=ppt/slides/slide12.xml><?xml version="1.0" encoding="utf-8"?>
 <p:sld xmlns:a="http://schemas.openxmlformats.org/drawingml/2006/main" xmlns:r="http://schemas.openxmlformats.org/officeDocument/2006/relationships" xmlns:p="http://schemas.openxmlformats.org/presentationml/2006/main" showMasterSp="0">
   <p:cSld>
     <p:spTree>
@@ -8249,7 +9145,7 @@
 </p:sld>
 </file>
 
-<file path=ppt/slides/slide12.xml><?xml version="1.0" encoding="utf-8"?>
+<file path=ppt/slides/slide13.xml><?xml version="1.0" encoding="utf-8"?>
 <p:sld xmlns:a="http://schemas.openxmlformats.org/drawingml/2006/main" xmlns:r="http://schemas.openxmlformats.org/officeDocument/2006/relationships" xmlns:p="http://schemas.openxmlformats.org/presentationml/2006/main">
   <p:cSld>
     <p:spTree>
@@ -9143,7 +10039,7 @@
 </p:sld>
 </file>
 
-<file path=ppt/slides/slide13.xml><?xml version="1.0" encoding="utf-8"?>
+<file path=ppt/slides/slide14.xml><?xml version="1.0" encoding="utf-8"?>
 <p:sld xmlns:a="http://schemas.openxmlformats.org/drawingml/2006/main" xmlns:r="http://schemas.openxmlformats.org/officeDocument/2006/relationships" xmlns:p="http://schemas.openxmlformats.org/presentationml/2006/main">
   <p:cSld>
     <p:spTree>
@@ -9661,7 +10557,7 @@
 </p:sld>
 </file>
 
-<file path=ppt/slides/slide14.xml><?xml version="1.0" encoding="utf-8"?>
+<file path=ppt/slides/slide15.xml><?xml version="1.0" encoding="utf-8"?>
 <p:sld xmlns:a="http://schemas.openxmlformats.org/drawingml/2006/main" xmlns:r="http://schemas.openxmlformats.org/officeDocument/2006/relationships" xmlns:p="http://schemas.openxmlformats.org/presentationml/2006/main">
   <p:cSld>
     <p:spTree>
@@ -10489,8 +11385,8 @@
       </p:transition>
     </mc:Fallback>
   </mc:AlternateContent>
-  <mc:AlternateContent xmlns:mc="http://schemas.openxmlformats.org/markup-compatibility/2006">
-    <mc:Choice xmlns:p14="http://schemas.microsoft.com/office/powerpoint/2010/main" Requires="p14">
+  <mc:AlternateContent xmlns:mc="http://schemas.openxmlformats.org/markup-compatibility/2006" xmlns:p14="http://schemas.microsoft.com/office/powerpoint/2010/main">
+    <mc:Choice Requires="p14">
       <p:timing>
         <p:tnLst>
           <p:par>
@@ -11806,7 +12702,7 @@
         </p:bldLst>
       </p:timing>
     </mc:Choice>
-    <mc:Fallback>
+    <mc:Fallback xmlns="">
       <p:timing>
         <p:tnLst>
           <p:par>
@@ -13126,7 +14022,7 @@
 </p:sld>
 </file>
 
-<file path=ppt/slides/slide15.xml><?xml version="1.0" encoding="utf-8"?>
+<file path=ppt/slides/slide16.xml><?xml version="1.0" encoding="utf-8"?>
 <p:sld xmlns:a="http://schemas.openxmlformats.org/drawingml/2006/main" xmlns:r="http://schemas.openxmlformats.org/officeDocument/2006/relationships" xmlns:p="http://schemas.openxmlformats.org/presentationml/2006/main">
   <p:cSld>
     <p:spTree>
@@ -13193,8 +14089,8 @@
         </p:nvSpPr>
         <p:spPr>
           <a:xfrm>
-            <a:off x="1038225" y="1790700"/>
-            <a:ext cx="1941557" cy="1200329"/>
+            <a:off x="115660" y="1808157"/>
+            <a:ext cx="3845925" cy="923330"/>
           </a:xfrm>
           <a:prstGeom prst="rect">
             <a:avLst/>
@@ -13208,339 +14104,16 @@
           <a:lstStyle/>
           <a:p>
             <a:r>
-              <a:rPr lang="en-US" altLang="zh-CN" sz="7200" dirty="0">
+              <a:rPr lang="en-US" altLang="zh-CN" sz="5400" dirty="0">
                 <a:latin typeface="微软雅黑" panose="020B0503020204020204" pitchFamily="34" charset="-122"/>
                 <a:ea typeface="微软雅黑" panose="020B0503020204020204" pitchFamily="34" charset="-122"/>
               </a:rPr>
-              <a:t>Last</a:t>
-            </a:r>
-            <a:endParaRPr lang="zh-CN" altLang="en-US" sz="7200" dirty="0">
+              <a:t>Conclusion</a:t>
+            </a:r>
+            <a:endParaRPr lang="zh-CN" altLang="en-US" sz="5400" dirty="0">
               <a:latin typeface="微软雅黑" panose="020B0503020204020204" pitchFamily="34" charset="-122"/>
               <a:ea typeface="微软雅黑" panose="020B0503020204020204" pitchFamily="34" charset="-122"/>
             </a:endParaRPr>
-          </a:p>
-        </p:txBody>
-      </p:sp>
-      <p:grpSp>
-        <p:nvGrpSpPr>
-          <p:cNvPr id="13" name="组合 12">
-            <a:extLst>
-              <a:ext uri="{FF2B5EF4-FFF2-40B4-BE49-F238E27FC236}">
-                <a16:creationId xmlns:a16="http://schemas.microsoft.com/office/drawing/2014/main" id="{DC6A3E25-607B-4C26-A1F0-D2FD7B7491B2}"/>
-              </a:ext>
-            </a:extLst>
-          </p:cNvPr>
-          <p:cNvGrpSpPr/>
-          <p:nvPr/>
-        </p:nvGrpSpPr>
-        <p:grpSpPr>
-          <a:xfrm>
-            <a:off x="6238875" y="1762125"/>
-            <a:ext cx="514350" cy="2638425"/>
-            <a:chOff x="5172075" y="1009650"/>
-            <a:chExt cx="514350" cy="2638425"/>
-          </a:xfrm>
-        </p:grpSpPr>
-        <p:cxnSp>
-          <p:nvCxnSpPr>
-            <p:cNvPr id="8" name="直接连接符 7">
-              <a:extLst>
-                <a:ext uri="{FF2B5EF4-FFF2-40B4-BE49-F238E27FC236}">
-                  <a16:creationId xmlns:a16="http://schemas.microsoft.com/office/drawing/2014/main" id="{19299AD8-9D60-4B43-ABC7-2974647016CC}"/>
-                </a:ext>
-              </a:extLst>
-            </p:cNvPr>
-            <p:cNvCxnSpPr/>
-            <p:nvPr/>
-          </p:nvCxnSpPr>
-          <p:spPr>
-            <a:xfrm>
-              <a:off x="5172075" y="1019175"/>
-              <a:ext cx="514350" cy="0"/>
-            </a:xfrm>
-            <a:prstGeom prst="line">
-              <a:avLst/>
-            </a:prstGeom>
-            <a:ln w="19050">
-              <a:solidFill>
-                <a:schemeClr val="tx1"/>
-              </a:solidFill>
-            </a:ln>
-          </p:spPr>
-          <p:style>
-            <a:lnRef idx="1">
-              <a:schemeClr val="accent1"/>
-            </a:lnRef>
-            <a:fillRef idx="0">
-              <a:schemeClr val="accent1"/>
-            </a:fillRef>
-            <a:effectRef idx="0">
-              <a:schemeClr val="accent1"/>
-            </a:effectRef>
-            <a:fontRef idx="minor">
-              <a:schemeClr val="tx1"/>
-            </a:fontRef>
-          </p:style>
-        </p:cxnSp>
-        <p:cxnSp>
-          <p:nvCxnSpPr>
-            <p:cNvPr id="10" name="直接连接符 9">
-              <a:extLst>
-                <a:ext uri="{FF2B5EF4-FFF2-40B4-BE49-F238E27FC236}">
-                  <a16:creationId xmlns:a16="http://schemas.microsoft.com/office/drawing/2014/main" id="{6A37A679-186A-4A1E-B6A5-EFFF25CC42D3}"/>
-                </a:ext>
-              </a:extLst>
-            </p:cNvPr>
-            <p:cNvCxnSpPr/>
-            <p:nvPr/>
-          </p:nvCxnSpPr>
-          <p:spPr>
-            <a:xfrm>
-              <a:off x="5172075" y="1009650"/>
-              <a:ext cx="0" cy="2628900"/>
-            </a:xfrm>
-            <a:prstGeom prst="line">
-              <a:avLst/>
-            </a:prstGeom>
-            <a:ln w="19050">
-              <a:solidFill>
-                <a:schemeClr val="tx1"/>
-              </a:solidFill>
-            </a:ln>
-          </p:spPr>
-          <p:style>
-            <a:lnRef idx="1">
-              <a:schemeClr val="accent1"/>
-            </a:lnRef>
-            <a:fillRef idx="0">
-              <a:schemeClr val="accent1"/>
-            </a:fillRef>
-            <a:effectRef idx="0">
-              <a:schemeClr val="accent1"/>
-            </a:effectRef>
-            <a:fontRef idx="minor">
-              <a:schemeClr val="tx1"/>
-            </a:fontRef>
-          </p:style>
-        </p:cxnSp>
-        <p:cxnSp>
-          <p:nvCxnSpPr>
-            <p:cNvPr id="12" name="直接连接符 11">
-              <a:extLst>
-                <a:ext uri="{FF2B5EF4-FFF2-40B4-BE49-F238E27FC236}">
-                  <a16:creationId xmlns:a16="http://schemas.microsoft.com/office/drawing/2014/main" id="{A598EE68-FC24-4471-8576-188585F328A6}"/>
-                </a:ext>
-              </a:extLst>
-            </p:cNvPr>
-            <p:cNvCxnSpPr/>
-            <p:nvPr/>
-          </p:nvCxnSpPr>
-          <p:spPr>
-            <a:xfrm>
-              <a:off x="5172075" y="3648075"/>
-              <a:ext cx="514350" cy="0"/>
-            </a:xfrm>
-            <a:prstGeom prst="line">
-              <a:avLst/>
-            </a:prstGeom>
-            <a:ln w="19050">
-              <a:solidFill>
-                <a:schemeClr val="tx1"/>
-              </a:solidFill>
-            </a:ln>
-          </p:spPr>
-          <p:style>
-            <a:lnRef idx="1">
-              <a:schemeClr val="accent1"/>
-            </a:lnRef>
-            <a:fillRef idx="0">
-              <a:schemeClr val="accent1"/>
-            </a:fillRef>
-            <a:effectRef idx="0">
-              <a:schemeClr val="accent1"/>
-            </a:effectRef>
-            <a:fontRef idx="minor">
-              <a:schemeClr val="tx1"/>
-            </a:fontRef>
-          </p:style>
-        </p:cxnSp>
-      </p:grpSp>
-      <p:grpSp>
-        <p:nvGrpSpPr>
-          <p:cNvPr id="14" name="组合 13">
-            <a:extLst>
-              <a:ext uri="{FF2B5EF4-FFF2-40B4-BE49-F238E27FC236}">
-                <a16:creationId xmlns:a16="http://schemas.microsoft.com/office/drawing/2014/main" id="{B3EEF745-95A8-47EC-8E31-49CCFC54D799}"/>
-              </a:ext>
-            </a:extLst>
-          </p:cNvPr>
-          <p:cNvGrpSpPr/>
-          <p:nvPr/>
-        </p:nvGrpSpPr>
-        <p:grpSpPr>
-          <a:xfrm flipH="1">
-            <a:off x="9338582" y="1771650"/>
-            <a:ext cx="514350" cy="2638425"/>
-            <a:chOff x="5172075" y="1009650"/>
-            <a:chExt cx="514350" cy="2638425"/>
-          </a:xfrm>
-        </p:grpSpPr>
-        <p:cxnSp>
-          <p:nvCxnSpPr>
-            <p:cNvPr id="15" name="直接连接符 14">
-              <a:extLst>
-                <a:ext uri="{FF2B5EF4-FFF2-40B4-BE49-F238E27FC236}">
-                  <a16:creationId xmlns:a16="http://schemas.microsoft.com/office/drawing/2014/main" id="{350EF985-F7A6-44D0-BC46-05E47DB63BD3}"/>
-                </a:ext>
-              </a:extLst>
-            </p:cNvPr>
-            <p:cNvCxnSpPr/>
-            <p:nvPr/>
-          </p:nvCxnSpPr>
-          <p:spPr>
-            <a:xfrm>
-              <a:off x="5172075" y="1019175"/>
-              <a:ext cx="514350" cy="0"/>
-            </a:xfrm>
-            <a:prstGeom prst="line">
-              <a:avLst/>
-            </a:prstGeom>
-            <a:ln w="19050">
-              <a:solidFill>
-                <a:schemeClr val="tx1"/>
-              </a:solidFill>
-            </a:ln>
-          </p:spPr>
-          <p:style>
-            <a:lnRef idx="1">
-              <a:schemeClr val="accent1"/>
-            </a:lnRef>
-            <a:fillRef idx="0">
-              <a:schemeClr val="accent1"/>
-            </a:fillRef>
-            <a:effectRef idx="0">
-              <a:schemeClr val="accent1"/>
-            </a:effectRef>
-            <a:fontRef idx="minor">
-              <a:schemeClr val="tx1"/>
-            </a:fontRef>
-          </p:style>
-        </p:cxnSp>
-        <p:cxnSp>
-          <p:nvCxnSpPr>
-            <p:cNvPr id="16" name="直接连接符 15">
-              <a:extLst>
-                <a:ext uri="{FF2B5EF4-FFF2-40B4-BE49-F238E27FC236}">
-                  <a16:creationId xmlns:a16="http://schemas.microsoft.com/office/drawing/2014/main" id="{613158D7-B3B7-4F14-B3C0-9F0F0E156F36}"/>
-                </a:ext>
-              </a:extLst>
-            </p:cNvPr>
-            <p:cNvCxnSpPr/>
-            <p:nvPr/>
-          </p:nvCxnSpPr>
-          <p:spPr>
-            <a:xfrm>
-              <a:off x="5172075" y="1009650"/>
-              <a:ext cx="0" cy="2628900"/>
-            </a:xfrm>
-            <a:prstGeom prst="line">
-              <a:avLst/>
-            </a:prstGeom>
-            <a:ln w="19050">
-              <a:solidFill>
-                <a:schemeClr val="tx1"/>
-              </a:solidFill>
-            </a:ln>
-          </p:spPr>
-          <p:style>
-            <a:lnRef idx="1">
-              <a:schemeClr val="accent1"/>
-            </a:lnRef>
-            <a:fillRef idx="0">
-              <a:schemeClr val="accent1"/>
-            </a:fillRef>
-            <a:effectRef idx="0">
-              <a:schemeClr val="accent1"/>
-            </a:effectRef>
-            <a:fontRef idx="minor">
-              <a:schemeClr val="tx1"/>
-            </a:fontRef>
-          </p:style>
-        </p:cxnSp>
-        <p:cxnSp>
-          <p:nvCxnSpPr>
-            <p:cNvPr id="17" name="直接连接符 16">
-              <a:extLst>
-                <a:ext uri="{FF2B5EF4-FFF2-40B4-BE49-F238E27FC236}">
-                  <a16:creationId xmlns:a16="http://schemas.microsoft.com/office/drawing/2014/main" id="{9699D8AB-8915-4F83-BEED-2722898F14E3}"/>
-                </a:ext>
-              </a:extLst>
-            </p:cNvPr>
-            <p:cNvCxnSpPr/>
-            <p:nvPr/>
-          </p:nvCxnSpPr>
-          <p:spPr>
-            <a:xfrm>
-              <a:off x="5172075" y="3648075"/>
-              <a:ext cx="514350" cy="0"/>
-            </a:xfrm>
-            <a:prstGeom prst="line">
-              <a:avLst/>
-            </a:prstGeom>
-            <a:ln w="19050">
-              <a:solidFill>
-                <a:schemeClr val="tx1"/>
-              </a:solidFill>
-            </a:ln>
-          </p:spPr>
-          <p:style>
-            <a:lnRef idx="1">
-              <a:schemeClr val="accent1"/>
-            </a:lnRef>
-            <a:fillRef idx="0">
-              <a:schemeClr val="accent1"/>
-            </a:fillRef>
-            <a:effectRef idx="0">
-              <a:schemeClr val="accent1"/>
-            </a:effectRef>
-            <a:fontRef idx="minor">
-              <a:schemeClr val="tx1"/>
-            </a:fontRef>
-          </p:style>
-        </p:cxnSp>
-      </p:grpSp>
-      <p:sp>
-        <p:nvSpPr>
-          <p:cNvPr id="18" name="矩形 17">
-            <a:extLst>
-              <a:ext uri="{FF2B5EF4-FFF2-40B4-BE49-F238E27FC236}">
-                <a16:creationId xmlns:a16="http://schemas.microsoft.com/office/drawing/2014/main" id="{268489CE-A8A8-49A9-9CE7-B88650BB13F9}"/>
-              </a:ext>
-            </a:extLst>
-          </p:cNvPr>
-          <p:cNvSpPr/>
-          <p:nvPr/>
-        </p:nvSpPr>
-        <p:spPr>
-          <a:xfrm>
-            <a:off x="7145657" y="1596509"/>
-            <a:ext cx="1535998" cy="369332"/>
-          </a:xfrm>
-          <a:prstGeom prst="rect">
-            <a:avLst/>
-          </a:prstGeom>
-        </p:spPr>
-        <p:txBody>
-          <a:bodyPr wrap="none">
-            <a:spAutoFit/>
-          </a:bodyPr>
-          <a:lstStyle/>
-          <a:p>
-            <a:r>
-              <a:rPr lang="en-US" altLang="zh-CN" dirty="0"/>
-              <a:t>Visualization</a:t>
-            </a:r>
-            <a:endParaRPr lang="zh-CN" altLang="en-US" dirty="0"/>
           </a:p>
         </p:txBody>
       </p:sp>
@@ -13558,8 +14131,8 @@
         </p:nvSpPr>
         <p:spPr>
           <a:xfrm>
-            <a:off x="6595383" y="2474223"/>
-            <a:ext cx="3038475" cy="461665"/>
+            <a:off x="4077245" y="1433813"/>
+            <a:ext cx="5222421" cy="2308324"/>
           </a:xfrm>
           <a:prstGeom prst="rect">
             <a:avLst/>
@@ -13579,8 +14152,102 @@
                   </a:schemeClr>
                 </a:solidFill>
               </a:rPr>
-              <a:t>Compose up everything and serve data on web page for visualization.</a:t>
-            </a:r>
+              <a:t>We can split the project into </a:t>
+            </a:r>
+            <a:r>
+              <a:rPr lang="en-US" altLang="zh-CN" sz="1200">
+                <a:solidFill>
+                  <a:schemeClr val="tx2">
+                    <a:lumMod val="25000"/>
+                  </a:schemeClr>
+                </a:solidFill>
+              </a:rPr>
+              <a:t>serparts</a:t>
+            </a:r>
+            <a:r>
+              <a:rPr lang="en-US" altLang="zh-CN" sz="1200" dirty="0">
+                <a:solidFill>
+                  <a:schemeClr val="tx2">
+                    <a:lumMod val="25000"/>
+                  </a:schemeClr>
+                </a:solidFill>
+              </a:rPr>
+              <a:t>:</a:t>
+            </a:r>
+          </a:p>
+          <a:p>
+            <a:r>
+              <a:rPr lang="en-US" altLang="zh-CN" sz="1200" dirty="0">
+                <a:solidFill>
+                  <a:schemeClr val="tx2">
+                    <a:lumMod val="25000"/>
+                  </a:schemeClr>
+                </a:solidFill>
+              </a:rPr>
+              <a:t>Data cleansing: Using bash script to cut the data that we actually need.</a:t>
+            </a:r>
+          </a:p>
+          <a:p>
+            <a:r>
+              <a:rPr lang="en-US" altLang="zh-CN" sz="1200" dirty="0">
+                <a:solidFill>
+                  <a:schemeClr val="tx2">
+                    <a:lumMod val="25000"/>
+                  </a:schemeClr>
+                </a:solidFill>
+              </a:rPr>
+              <a:t>Data uploading: Utilized shell query in terminal to upload the data from local to HDFS, then connect data between HDFS and Hive.</a:t>
+            </a:r>
+          </a:p>
+          <a:p>
+            <a:r>
+              <a:rPr lang="en-US" altLang="zh-CN" sz="1200" dirty="0">
+                <a:solidFill>
+                  <a:schemeClr val="tx2">
+                    <a:lumMod val="25000"/>
+                  </a:schemeClr>
+                </a:solidFill>
+              </a:rPr>
+              <a:t>Data transfer: Promoted data transfer workflow with Sqoop, make it easier to transfer data between data warehouse and relational database.</a:t>
+            </a:r>
+          </a:p>
+          <a:p>
+            <a:r>
+              <a:rPr lang="en-US" altLang="zh-CN" sz="1200" dirty="0">
+                <a:solidFill>
+                  <a:schemeClr val="tx2">
+                    <a:lumMod val="25000"/>
+                  </a:schemeClr>
+                </a:solidFill>
+              </a:rPr>
+              <a:t>Machine Learning: Built a spark model to predict user loyalty.</a:t>
+            </a:r>
+          </a:p>
+          <a:p>
+            <a:r>
+              <a:rPr lang="en-US" altLang="zh-CN" sz="1200" dirty="0">
+                <a:solidFill>
+                  <a:schemeClr val="tx2">
+                    <a:lumMod val="25000"/>
+                  </a:schemeClr>
+                </a:solidFill>
+              </a:rPr>
+              <a:t>Data transaction: Composed up MySQL database for real time transaction.</a:t>
+            </a:r>
+          </a:p>
+          <a:p>
+            <a:r>
+              <a:rPr lang="en-US" altLang="zh-CN" sz="1200" dirty="0">
+                <a:solidFill>
+                  <a:schemeClr val="tx2">
+                    <a:lumMod val="25000"/>
+                  </a:schemeClr>
+                </a:solidFill>
+              </a:rPr>
+              <a:t>Web server: Spring micro service and Angular framework were used to support a better online visualization.</a:t>
+            </a:r>
+          </a:p>
+          <a:p>
             <a:endParaRPr lang="zh-CN" altLang="en-US" sz="1200" dirty="0">
               <a:solidFill>
                 <a:schemeClr val="tx2">
@@ -13763,7 +14430,7 @@
                             </p:stCondLst>
                             <p:childTnLst>
                               <p:par>
-                                <p:cTn id="16" presetID="22" presetClass="entr" presetSubtype="8" fill="hold" nodeType="clickEffect">
+                                <p:cTn id="16" presetID="53" presetClass="entr" presetSubtype="16" fill="hold" grpId="0" nodeType="clickEffect">
                                   <p:stCondLst>
                                     <p:cond delay="0"/>
                                   </p:stCondLst>
@@ -13771,147 +14438,6 @@
                                     <p:set>
                                       <p:cBhvr>
                                         <p:cTn id="17" dur="1" fill="hold">
-                                          <p:stCondLst>
-                                            <p:cond delay="0"/>
-                                          </p:stCondLst>
-                                        </p:cTn>
-                                        <p:tgtEl>
-                                          <p:spTgt spid="13"/>
-                                        </p:tgtEl>
-                                        <p:attrNameLst>
-                                          <p:attrName>style.visibility</p:attrName>
-                                        </p:attrNameLst>
-                                      </p:cBhvr>
-                                      <p:to>
-                                        <p:strVal val="visible"/>
-                                      </p:to>
-                                    </p:set>
-                                    <p:animEffect transition="in" filter="wipe(left)">
-                                      <p:cBhvr>
-                                        <p:cTn id="18" dur="500"/>
-                                        <p:tgtEl>
-                                          <p:spTgt spid="13"/>
-                                        </p:tgtEl>
-                                      </p:cBhvr>
-                                    </p:animEffect>
-                                  </p:childTnLst>
-                                </p:cTn>
-                              </p:par>
-                              <p:par>
-                                <p:cTn id="19" presetID="22" presetClass="entr" presetSubtype="2" fill="hold" nodeType="withEffect">
-                                  <p:stCondLst>
-                                    <p:cond delay="0"/>
-                                  </p:stCondLst>
-                                  <p:childTnLst>
-                                    <p:set>
-                                      <p:cBhvr>
-                                        <p:cTn id="20" dur="1" fill="hold">
-                                          <p:stCondLst>
-                                            <p:cond delay="0"/>
-                                          </p:stCondLst>
-                                        </p:cTn>
-                                        <p:tgtEl>
-                                          <p:spTgt spid="14"/>
-                                        </p:tgtEl>
-                                        <p:attrNameLst>
-                                          <p:attrName>style.visibility</p:attrName>
-                                        </p:attrNameLst>
-                                      </p:cBhvr>
-                                      <p:to>
-                                        <p:strVal val="visible"/>
-                                      </p:to>
-                                    </p:set>
-                                    <p:animEffect transition="in" filter="wipe(right)">
-                                      <p:cBhvr>
-                                        <p:cTn id="21" dur="500"/>
-                                        <p:tgtEl>
-                                          <p:spTgt spid="14"/>
-                                        </p:tgtEl>
-                                      </p:cBhvr>
-                                    </p:animEffect>
-                                  </p:childTnLst>
-                                </p:cTn>
-                              </p:par>
-                            </p:childTnLst>
-                          </p:cTn>
-                        </p:par>
-                      </p:childTnLst>
-                    </p:cTn>
-                  </p:par>
-                  <p:par>
-                    <p:cTn id="22" fill="hold">
-                      <p:stCondLst>
-                        <p:cond delay="indefinite"/>
-                      </p:stCondLst>
-                      <p:childTnLst>
-                        <p:par>
-                          <p:cTn id="23" fill="hold">
-                            <p:stCondLst>
-                              <p:cond delay="0"/>
-                            </p:stCondLst>
-                            <p:childTnLst>
-                              <p:par>
-                                <p:cTn id="24" presetID="14" presetClass="entr" presetSubtype="10" fill="hold" grpId="0" nodeType="clickEffect">
-                                  <p:stCondLst>
-                                    <p:cond delay="0"/>
-                                  </p:stCondLst>
-                                  <p:childTnLst>
-                                    <p:set>
-                                      <p:cBhvr>
-                                        <p:cTn id="25" dur="1" fill="hold">
-                                          <p:stCondLst>
-                                            <p:cond delay="0"/>
-                                          </p:stCondLst>
-                                        </p:cTn>
-                                        <p:tgtEl>
-                                          <p:spTgt spid="18"/>
-                                        </p:tgtEl>
-                                        <p:attrNameLst>
-                                          <p:attrName>style.visibility</p:attrName>
-                                        </p:attrNameLst>
-                                      </p:cBhvr>
-                                      <p:to>
-                                        <p:strVal val="visible"/>
-                                      </p:to>
-                                    </p:set>
-                                    <p:animEffect transition="in" filter="randombar(horizontal)">
-                                      <p:cBhvr>
-                                        <p:cTn id="26" dur="500"/>
-                                        <p:tgtEl>
-                                          <p:spTgt spid="18"/>
-                                        </p:tgtEl>
-                                      </p:cBhvr>
-                                    </p:animEffect>
-                                  </p:childTnLst>
-                                </p:cTn>
-                              </p:par>
-                            </p:childTnLst>
-                          </p:cTn>
-                        </p:par>
-                      </p:childTnLst>
-                    </p:cTn>
-                  </p:par>
-                  <p:par>
-                    <p:cTn id="27" fill="hold">
-                      <p:stCondLst>
-                        <p:cond delay="indefinite"/>
-                      </p:stCondLst>
-                      <p:childTnLst>
-                        <p:par>
-                          <p:cTn id="28" fill="hold">
-                            <p:stCondLst>
-                              <p:cond delay="0"/>
-                            </p:stCondLst>
-                            <p:childTnLst>
-                              <p:par>
-                                <p:cTn id="29" presetID="53" presetClass="entr" presetSubtype="16" fill="hold" grpId="0" nodeType="clickEffect">
-                                  <p:stCondLst>
-                                    <p:cond delay="0"/>
-                                  </p:stCondLst>
-                                  <p:childTnLst>
-                                    <p:set>
-                                      <p:cBhvr>
-                                        <p:cTn id="30" dur="1" fill="hold">
                                           <p:stCondLst>
                                             <p:cond delay="0"/>
                                           </p:stCondLst>
@@ -13929,7 +14455,7 @@
                                     </p:set>
                                     <p:anim calcmode="lin" valueType="num">
                                       <p:cBhvr>
-                                        <p:cTn id="31" dur="500" fill="hold"/>
+                                        <p:cTn id="18" dur="500" fill="hold"/>
                                         <p:tgtEl>
                                           <p:spTgt spid="19"/>
                                         </p:tgtEl>
@@ -13952,7 +14478,7 @@
                                     </p:anim>
                                     <p:anim calcmode="lin" valueType="num">
                                       <p:cBhvr>
-                                        <p:cTn id="32" dur="500" fill="hold"/>
+                                        <p:cTn id="19" dur="500" fill="hold"/>
                                         <p:tgtEl>
                                           <p:spTgt spid="19"/>
                                         </p:tgtEl>
@@ -13975,7 +14501,7 @@
                                     </p:anim>
                                     <p:animEffect transition="in" filter="fade">
                                       <p:cBhvr>
-                                        <p:cTn id="33" dur="500"/>
+                                        <p:cTn id="20" dur="500"/>
                                         <p:tgtEl>
                                           <p:spTgt spid="19"/>
                                         </p:tgtEl>
@@ -14013,14 +14539,13 @@
     </p:tnLst>
     <p:bldLst>
       <p:bldP spid="6" grpId="0"/>
-      <p:bldP spid="18" grpId="0"/>
       <p:bldP spid="19" grpId="0"/>
     </p:bldLst>
   </p:timing>
 </p:sld>
 </file>
 
-<file path=ppt/slides/slide16.xml><?xml version="1.0" encoding="utf-8"?>
+<file path=ppt/slides/slide17.xml><?xml version="1.0" encoding="utf-8"?>
 <p:sld xmlns:a="http://schemas.openxmlformats.org/drawingml/2006/main" xmlns:r="http://schemas.openxmlformats.org/officeDocument/2006/relationships" xmlns:p="http://schemas.openxmlformats.org/presentationml/2006/main">
   <p:cSld>
     <p:spTree>
@@ -15378,7 +15903,7 @@
         <p:spPr>
           <a:xfrm>
             <a:off x="2352907" y="3719285"/>
-            <a:ext cx="8151542" cy="1200329"/>
+            <a:ext cx="8151542" cy="1477328"/>
           </a:xfrm>
           <a:prstGeom prst="rect">
             <a:avLst/>
@@ -15403,27 +15928,60 @@
             <a:pPr algn="ctr"/>
             <a:r>
               <a:rPr lang="en-US" altLang="zh-CN" dirty="0">
+                <a:solidFill>
+                  <a:schemeClr val="tx2">
+                    <a:lumMod val="25000"/>
+                  </a:schemeClr>
+                </a:solidFill>
                 <a:latin typeface="Microsoft YaHei" panose="020B0503020204020204" pitchFamily="34" charset="-122"/>
                 <a:ea typeface="Microsoft YaHei" panose="020B0503020204020204" pitchFamily="34" charset="-122"/>
-                <a:hlinkClick r:id="rId3"/>
-              </a:rPr>
-              <a:t>Click here for </a:t>
-            </a:r>
-            <a:r>
-              <a:rPr lang="en-US" b="1" dirty="0">
-                <a:hlinkClick r:id="rId3"/>
-              </a:rPr>
-              <a:t>Architecture</a:t>
-            </a:r>
+                <a:hlinkClick r:id="rId3">
+                  <a:extLst>
+                    <a:ext uri="{A12FA001-AC4F-418D-AE19-62706E023703}">
+                      <ahyp:hlinkClr xmlns:ahyp="http://schemas.microsoft.com/office/drawing/2018/hyperlinkcolor" val="tx"/>
+                    </a:ext>
+                  </a:extLst>
+                </a:hlinkClick>
+              </a:rPr>
+              <a:t>Click here for full project.</a:t>
+            </a:r>
+            <a:endParaRPr lang="en-US" altLang="zh-CN" dirty="0">
+              <a:solidFill>
+                <a:schemeClr val="tx2">
+                  <a:lumMod val="25000"/>
+                </a:schemeClr>
+              </a:solidFill>
+              <a:latin typeface="Microsoft YaHei" panose="020B0503020204020204" pitchFamily="34" charset="-122"/>
+              <a:ea typeface="Microsoft YaHei" panose="020B0503020204020204" pitchFamily="34" charset="-122"/>
+            </a:endParaRPr>
+          </a:p>
+          <a:p>
+            <a:pPr algn="ctr"/>
             <a:r>
               <a:rPr lang="en-US" altLang="zh-CN" dirty="0">
+                <a:solidFill>
+                  <a:schemeClr val="tx2">
+                    <a:lumMod val="25000"/>
+                  </a:schemeClr>
+                </a:solidFill>
                 <a:latin typeface="Microsoft YaHei" panose="020B0503020204020204" pitchFamily="34" charset="-122"/>
                 <a:ea typeface="Microsoft YaHei" panose="020B0503020204020204" pitchFamily="34" charset="-122"/>
-                <a:hlinkClick r:id="rId3"/>
-              </a:rPr>
-              <a:t>.</a:t>
+                <a:hlinkClick r:id="rId4">
+                  <a:extLst>
+                    <a:ext uri="{A12FA001-AC4F-418D-AE19-62706E023703}">
+                      <ahyp:hlinkClr xmlns:ahyp="http://schemas.microsoft.com/office/drawing/2018/hyperlinkcolor" val="tx"/>
+                    </a:ext>
+                  </a:extLst>
+                </a:hlinkClick>
+              </a:rPr>
+              <a:t>Dataset Link</a:t>
             </a:r>
             <a:endParaRPr lang="zh-CN" altLang="en-US" dirty="0">
+              <a:solidFill>
+                <a:schemeClr val="tx2">
+                  <a:lumMod val="25000"/>
+                </a:schemeClr>
+              </a:solidFill>
               <a:latin typeface="Microsoft YaHei" panose="020B0503020204020204" pitchFamily="34" charset="-122"/>
               <a:ea typeface="Microsoft YaHei" panose="020B0503020204020204" pitchFamily="34" charset="-122"/>
             </a:endParaRPr>
@@ -16022,6 +16580,363 @@
 </file>
 
 <file path=ppt/slides/slide3.xml><?xml version="1.0" encoding="utf-8"?>
+<p:sld xmlns:a="http://schemas.openxmlformats.org/drawingml/2006/main" xmlns:r="http://schemas.openxmlformats.org/officeDocument/2006/relationships" xmlns:p="http://schemas.openxmlformats.org/presentationml/2006/main">
+  <p:cSld>
+    <p:spTree>
+      <p:nvGrpSpPr>
+        <p:cNvPr id="1" name=""/>
+        <p:cNvGrpSpPr/>
+        <p:nvPr/>
+      </p:nvGrpSpPr>
+      <p:grpSpPr>
+        <a:xfrm>
+          <a:off x="0" y="0"/>
+          <a:ext cx="0" cy="0"/>
+          <a:chOff x="0" y="0"/>
+          <a:chExt cx="0" cy="0"/>
+        </a:xfrm>
+      </p:grpSpPr>
+      <p:sp>
+        <p:nvSpPr>
+          <p:cNvPr id="7" name="矩形 6">
+            <a:extLst>
+              <a:ext uri="{FF2B5EF4-FFF2-40B4-BE49-F238E27FC236}">
+                <a16:creationId xmlns:a16="http://schemas.microsoft.com/office/drawing/2014/main" id="{3A6A4DBD-8FB0-49EF-93E8-D1D70CC9E4E6}"/>
+              </a:ext>
+            </a:extLst>
+          </p:cNvPr>
+          <p:cNvSpPr/>
+          <p:nvPr/>
+        </p:nvSpPr>
+        <p:spPr>
+          <a:xfrm>
+            <a:off x="5914905" y="826615"/>
+            <a:ext cx="4073744" cy="830997"/>
+          </a:xfrm>
+          <a:prstGeom prst="rect">
+            <a:avLst/>
+          </a:prstGeom>
+        </p:spPr>
+        <p:txBody>
+          <a:bodyPr wrap="none">
+            <a:spAutoFit/>
+          </a:bodyPr>
+          <a:lstStyle/>
+          <a:p>
+            <a:r>
+              <a:rPr lang="en-US" altLang="zh-CN" sz="4800" b="1" dirty="0">
+                <a:latin typeface="微软雅黑" panose="020B0503020204020204" pitchFamily="34" charset="-122"/>
+                <a:ea typeface="微软雅黑" panose="020B0503020204020204" pitchFamily="34" charset="-122"/>
+              </a:rPr>
+              <a:t>Introduction</a:t>
+            </a:r>
+            <a:endParaRPr lang="zh-CN" altLang="en-US" sz="4800" b="1" dirty="0">
+              <a:latin typeface="微软雅黑" panose="020B0503020204020204" pitchFamily="34" charset="-122"/>
+              <a:ea typeface="微软雅黑" panose="020B0503020204020204" pitchFamily="34" charset="-122"/>
+            </a:endParaRPr>
+          </a:p>
+        </p:txBody>
+      </p:sp>
+      <p:sp>
+        <p:nvSpPr>
+          <p:cNvPr id="22" name="矩形 21">
+            <a:extLst>
+              <a:ext uri="{FF2B5EF4-FFF2-40B4-BE49-F238E27FC236}">
+                <a16:creationId xmlns:a16="http://schemas.microsoft.com/office/drawing/2014/main" id="{8AD30CFF-E2AA-4C40-94EB-E20A8AA2BA5F}"/>
+              </a:ext>
+            </a:extLst>
+          </p:cNvPr>
+          <p:cNvSpPr/>
+          <p:nvPr/>
+        </p:nvSpPr>
+        <p:spPr>
+          <a:xfrm>
+            <a:off x="2165129" y="2437492"/>
+            <a:ext cx="8151542" cy="1477328"/>
+          </a:xfrm>
+          <a:prstGeom prst="rect">
+            <a:avLst/>
+          </a:prstGeom>
+        </p:spPr>
+        <p:txBody>
+          <a:bodyPr wrap="square">
+            <a:spAutoFit/>
+          </a:bodyPr>
+          <a:lstStyle/>
+          <a:p>
+            <a:pPr algn="ctr"/>
+            <a:r>
+              <a:rPr lang="en-US" altLang="zh-CN" dirty="0">
+                <a:solidFill>
+                  <a:schemeClr val="bg2">
+                    <a:lumMod val="75000"/>
+                  </a:schemeClr>
+                </a:solidFill>
+                <a:latin typeface="Microsoft YaHei" panose="020B0503020204020204" pitchFamily="34" charset="-122"/>
+                <a:ea typeface="Microsoft YaHei" panose="020B0503020204020204" pitchFamily="34" charset="-122"/>
+              </a:rPr>
+              <a:t>The project contains several technologies to create a closed cycle from data cleansing to data uploading, data analyzing, machine learning predicting until data visualization. The project considered different scenarios based on real production environment. The data is the user log info generated on 11</a:t>
+            </a:r>
+            <a:r>
+              <a:rPr lang="en-US" altLang="zh-CN" baseline="30000" dirty="0">
+                <a:solidFill>
+                  <a:schemeClr val="bg2">
+                    <a:lumMod val="75000"/>
+                  </a:schemeClr>
+                </a:solidFill>
+                <a:latin typeface="Microsoft YaHei" panose="020B0503020204020204" pitchFamily="34" charset="-122"/>
+                <a:ea typeface="Microsoft YaHei" panose="020B0503020204020204" pitchFamily="34" charset="-122"/>
+              </a:rPr>
+              <a:t>th</a:t>
+            </a:r>
+            <a:r>
+              <a:rPr lang="en-US" altLang="zh-CN" dirty="0">
+                <a:solidFill>
+                  <a:schemeClr val="bg2">
+                    <a:lumMod val="75000"/>
+                  </a:schemeClr>
+                </a:solidFill>
+                <a:latin typeface="Microsoft YaHei" panose="020B0503020204020204" pitchFamily="34" charset="-122"/>
+                <a:ea typeface="Microsoft YaHei" panose="020B0503020204020204" pitchFamily="34" charset="-122"/>
+              </a:rPr>
+              <a:t> November in 2015 from Alibaba.</a:t>
+            </a:r>
+            <a:endParaRPr lang="zh-CN" altLang="en-US" dirty="0">
+              <a:solidFill>
+                <a:schemeClr val="bg2">
+                  <a:lumMod val="75000"/>
+                </a:schemeClr>
+              </a:solidFill>
+              <a:latin typeface="Microsoft YaHei" panose="020B0503020204020204" pitchFamily="34" charset="-122"/>
+              <a:ea typeface="Microsoft YaHei" panose="020B0503020204020204" pitchFamily="34" charset="-122"/>
+            </a:endParaRPr>
+          </a:p>
+        </p:txBody>
+      </p:sp>
+    </p:spTree>
+    <p:extLst>
+      <p:ext uri="{BB962C8B-B14F-4D97-AF65-F5344CB8AC3E}">
+        <p14:creationId xmlns:p14="http://schemas.microsoft.com/office/powerpoint/2010/main" val="2928256052"/>
+      </p:ext>
+    </p:extLst>
+  </p:cSld>
+  <p:clrMapOvr>
+    <a:masterClrMapping/>
+  </p:clrMapOvr>
+  <mc:AlternateContent xmlns:mc="http://schemas.openxmlformats.org/markup-compatibility/2006" xmlns:p14="http://schemas.microsoft.com/office/powerpoint/2010/main">
+    <mc:Choice Requires="p14">
+      <p:transition spd="slow" p14:dur="1500">
+        <p:random/>
+      </p:transition>
+    </mc:Choice>
+    <mc:Fallback xmlns="">
+      <p:transition spd="slow">
+        <p:random/>
+      </p:transition>
+    </mc:Fallback>
+  </mc:AlternateContent>
+  <p:timing>
+    <p:tnLst>
+      <p:par>
+        <p:cTn id="1" dur="indefinite" restart="never" nodeType="tmRoot">
+          <p:childTnLst>
+            <p:seq concurrent="1" nextAc="seek">
+              <p:cTn id="2" dur="indefinite" nodeType="mainSeq">
+                <p:childTnLst>
+                  <p:par>
+                    <p:cTn id="3" fill="hold">
+                      <p:stCondLst>
+                        <p:cond delay="indefinite"/>
+                      </p:stCondLst>
+                      <p:childTnLst>
+                        <p:par>
+                          <p:cTn id="4" fill="hold">
+                            <p:stCondLst>
+                              <p:cond delay="0"/>
+                            </p:stCondLst>
+                            <p:childTnLst>
+                              <p:par>
+                                <p:cTn id="5" presetID="2" presetClass="entr" presetSubtype="2" fill="hold" grpId="0" nodeType="clickEffect">
+                                  <p:stCondLst>
+                                    <p:cond delay="0"/>
+                                  </p:stCondLst>
+                                  <p:childTnLst>
+                                    <p:set>
+                                      <p:cBhvr>
+                                        <p:cTn id="6" dur="1" fill="hold">
+                                          <p:stCondLst>
+                                            <p:cond delay="0"/>
+                                          </p:stCondLst>
+                                        </p:cTn>
+                                        <p:tgtEl>
+                                          <p:spTgt spid="7"/>
+                                        </p:tgtEl>
+                                        <p:attrNameLst>
+                                          <p:attrName>style.visibility</p:attrName>
+                                        </p:attrNameLst>
+                                      </p:cBhvr>
+                                      <p:to>
+                                        <p:strVal val="visible"/>
+                                      </p:to>
+                                    </p:set>
+                                    <p:anim calcmode="lin" valueType="num">
+                                      <p:cBhvr additive="base">
+                                        <p:cTn id="7" dur="500" fill="hold"/>
+                                        <p:tgtEl>
+                                          <p:spTgt spid="7"/>
+                                        </p:tgtEl>
+                                        <p:attrNameLst>
+                                          <p:attrName>ppt_x</p:attrName>
+                                        </p:attrNameLst>
+                                      </p:cBhvr>
+                                      <p:tavLst>
+                                        <p:tav tm="0">
+                                          <p:val>
+                                            <p:strVal val="1+#ppt_w/2"/>
+                                          </p:val>
+                                        </p:tav>
+                                        <p:tav tm="100000">
+                                          <p:val>
+                                            <p:strVal val="#ppt_x"/>
+                                          </p:val>
+                                        </p:tav>
+                                      </p:tavLst>
+                                    </p:anim>
+                                    <p:anim calcmode="lin" valueType="num">
+                                      <p:cBhvr additive="base">
+                                        <p:cTn id="8" dur="500" fill="hold"/>
+                                        <p:tgtEl>
+                                          <p:spTgt spid="7"/>
+                                        </p:tgtEl>
+                                        <p:attrNameLst>
+                                          <p:attrName>ppt_y</p:attrName>
+                                        </p:attrNameLst>
+                                      </p:cBhvr>
+                                      <p:tavLst>
+                                        <p:tav tm="0">
+                                          <p:val>
+                                            <p:strVal val="#ppt_y"/>
+                                          </p:val>
+                                        </p:tav>
+                                        <p:tav tm="100000">
+                                          <p:val>
+                                            <p:strVal val="#ppt_y"/>
+                                          </p:val>
+                                        </p:tav>
+                                      </p:tavLst>
+                                    </p:anim>
+                                  </p:childTnLst>
+                                </p:cTn>
+                              </p:par>
+                              <p:par>
+                                <p:cTn id="9" presetID="2" presetClass="entr" presetSubtype="4" fill="hold" grpId="0" nodeType="withEffect">
+                                  <p:stCondLst>
+                                    <p:cond delay="0"/>
+                                  </p:stCondLst>
+                                  <p:childTnLst>
+                                    <p:set>
+                                      <p:cBhvr>
+                                        <p:cTn id="10" dur="1" fill="hold">
+                                          <p:stCondLst>
+                                            <p:cond delay="0"/>
+                                          </p:stCondLst>
+                                        </p:cTn>
+                                        <p:tgtEl>
+                                          <p:spTgt spid="22"/>
+                                        </p:tgtEl>
+                                        <p:attrNameLst>
+                                          <p:attrName>style.visibility</p:attrName>
+                                        </p:attrNameLst>
+                                      </p:cBhvr>
+                                      <p:to>
+                                        <p:strVal val="visible"/>
+                                      </p:to>
+                                    </p:set>
+                                    <p:anim calcmode="lin" valueType="num">
+                                      <p:cBhvr additive="base">
+                                        <p:cTn id="11" dur="500" fill="hold"/>
+                                        <p:tgtEl>
+                                          <p:spTgt spid="22"/>
+                                        </p:tgtEl>
+                                        <p:attrNameLst>
+                                          <p:attrName>ppt_x</p:attrName>
+                                        </p:attrNameLst>
+                                      </p:cBhvr>
+                                      <p:tavLst>
+                                        <p:tav tm="0">
+                                          <p:val>
+                                            <p:strVal val="#ppt_x"/>
+                                          </p:val>
+                                        </p:tav>
+                                        <p:tav tm="100000">
+                                          <p:val>
+                                            <p:strVal val="#ppt_x"/>
+                                          </p:val>
+                                        </p:tav>
+                                      </p:tavLst>
+                                    </p:anim>
+                                    <p:anim calcmode="lin" valueType="num">
+                                      <p:cBhvr additive="base">
+                                        <p:cTn id="12" dur="500" fill="hold"/>
+                                        <p:tgtEl>
+                                          <p:spTgt spid="22"/>
+                                        </p:tgtEl>
+                                        <p:attrNameLst>
+                                          <p:attrName>ppt_y</p:attrName>
+                                        </p:attrNameLst>
+                                      </p:cBhvr>
+                                      <p:tavLst>
+                                        <p:tav tm="0">
+                                          <p:val>
+                                            <p:strVal val="1+#ppt_h/2"/>
+                                          </p:val>
+                                        </p:tav>
+                                        <p:tav tm="100000">
+                                          <p:val>
+                                            <p:strVal val="#ppt_y"/>
+                                          </p:val>
+                                        </p:tav>
+                                      </p:tavLst>
+                                    </p:anim>
+                                  </p:childTnLst>
+                                </p:cTn>
+                              </p:par>
+                            </p:childTnLst>
+                          </p:cTn>
+                        </p:par>
+                      </p:childTnLst>
+                    </p:cTn>
+                  </p:par>
+                </p:childTnLst>
+              </p:cTn>
+              <p:prevCondLst>
+                <p:cond evt="onPrev" delay="0">
+                  <p:tgtEl>
+                    <p:sldTgt/>
+                  </p:tgtEl>
+                </p:cond>
+              </p:prevCondLst>
+              <p:nextCondLst>
+                <p:cond evt="onNext" delay="0">
+                  <p:tgtEl>
+                    <p:sldTgt/>
+                  </p:tgtEl>
+                </p:cond>
+              </p:nextCondLst>
+            </p:seq>
+          </p:childTnLst>
+        </p:cTn>
+      </p:par>
+    </p:tnLst>
+    <p:bldLst>
+      <p:bldP spid="7" grpId="0"/>
+      <p:bldP spid="22" grpId="0"/>
+    </p:bldLst>
+  </p:timing>
+</p:sld>
+</file>
+
+<file path=ppt/slides/slide4.xml><?xml version="1.0" encoding="utf-8"?>
 <p:sld xmlns:a="http://schemas.openxmlformats.org/drawingml/2006/main" xmlns:r="http://schemas.openxmlformats.org/officeDocument/2006/relationships" xmlns:p="http://schemas.openxmlformats.org/presentationml/2006/main">
   <p:cSld>
     <p:spTree>
@@ -17004,7 +17919,7 @@
 </p:sld>
 </file>
 
-<file path=ppt/slides/slide4.xml><?xml version="1.0" encoding="utf-8"?>
+<file path=ppt/slides/slide5.xml><?xml version="1.0" encoding="utf-8"?>
 <p:sld xmlns:a="http://schemas.openxmlformats.org/drawingml/2006/main" xmlns:r="http://schemas.openxmlformats.org/officeDocument/2006/relationships" xmlns:p="http://schemas.openxmlformats.org/presentationml/2006/main">
   <p:cSld>
     <p:spTree>
@@ -17898,7 +18813,7 @@
 </p:sld>
 </file>
 
-<file path=ppt/slides/slide5.xml><?xml version="1.0" encoding="utf-8"?>
+<file path=ppt/slides/slide6.xml><?xml version="1.0" encoding="utf-8"?>
 <p:sld xmlns:a="http://schemas.openxmlformats.org/drawingml/2006/main" xmlns:r="http://schemas.openxmlformats.org/officeDocument/2006/relationships" xmlns:p="http://schemas.openxmlformats.org/presentationml/2006/main" showMasterSp="0">
   <p:cSld>
     <p:bg>
@@ -18863,7 +19778,7 @@
 </p:sld>
 </file>
 
-<file path=ppt/slides/slide6.xml><?xml version="1.0" encoding="utf-8"?>
+<file path=ppt/slides/slide7.xml><?xml version="1.0" encoding="utf-8"?>
 <p:sld xmlns:a="http://schemas.openxmlformats.org/drawingml/2006/main" xmlns:r="http://schemas.openxmlformats.org/officeDocument/2006/relationships" xmlns:p="http://schemas.openxmlformats.org/presentationml/2006/main" showMasterSp="0">
   <p:cSld>
     <p:bg>
@@ -19655,7 +20570,7 @@
 </p:sld>
 </file>
 
-<file path=ppt/slides/slide7.xml><?xml version="1.0" encoding="utf-8"?>
+<file path=ppt/slides/slide8.xml><?xml version="1.0" encoding="utf-8"?>
 <p:sld xmlns:a="http://schemas.openxmlformats.org/drawingml/2006/main" xmlns:r="http://schemas.openxmlformats.org/officeDocument/2006/relationships" xmlns:p="http://schemas.openxmlformats.org/presentationml/2006/main">
   <p:cSld>
     <p:spTree>
@@ -20549,7 +21464,7 @@
 </p:sld>
 </file>
 
-<file path=ppt/slides/slide8.xml><?xml version="1.0" encoding="utf-8"?>
+<file path=ppt/slides/slide9.xml><?xml version="1.0" encoding="utf-8"?>
 <p:sld xmlns:a="http://schemas.openxmlformats.org/drawingml/2006/main" xmlns:r="http://schemas.openxmlformats.org/officeDocument/2006/relationships" xmlns:p="http://schemas.openxmlformats.org/presentationml/2006/main" showMasterSp="0">
   <p:cSld>
     <p:bg>
@@ -21183,900 +22098,6 @@
     <p:bldLst>
       <p:bldP spid="13" grpId="0"/>
       <p:bldP spid="13" grpId="1"/>
-    </p:bldLst>
-  </p:timing>
-</p:sld>
-</file>
-
-<file path=ppt/slides/slide9.xml><?xml version="1.0" encoding="utf-8"?>
-<p:sld xmlns:a="http://schemas.openxmlformats.org/drawingml/2006/main" xmlns:r="http://schemas.openxmlformats.org/officeDocument/2006/relationships" xmlns:p="http://schemas.openxmlformats.org/presentationml/2006/main">
-  <p:cSld>
-    <p:spTree>
-      <p:nvGrpSpPr>
-        <p:cNvPr id="1" name=""/>
-        <p:cNvGrpSpPr/>
-        <p:nvPr/>
-      </p:nvGrpSpPr>
-      <p:grpSpPr>
-        <a:xfrm>
-          <a:off x="0" y="0"/>
-          <a:ext cx="0" cy="0"/>
-          <a:chOff x="0" y="0"/>
-          <a:chExt cx="0" cy="0"/>
-        </a:xfrm>
-      </p:grpSpPr>
-      <p:pic>
-        <p:nvPicPr>
-          <p:cNvPr id="5" name="图片 4" descr="图片包含 文字&#10;&#10;已生成极高可信度的说明">
-            <a:extLst>
-              <a:ext uri="{FF2B5EF4-FFF2-40B4-BE49-F238E27FC236}">
-                <a16:creationId xmlns:a16="http://schemas.microsoft.com/office/drawing/2014/main" id="{DBB7A6F5-485A-41A5-B101-165F44B401B3}"/>
-              </a:ext>
-            </a:extLst>
-          </p:cNvPr>
-          <p:cNvPicPr>
-            <a:picLocks noChangeAspect="1"/>
-          </p:cNvPicPr>
-          <p:nvPr/>
-        </p:nvPicPr>
-        <p:blipFill>
-          <a:blip r:embed="rId2">
-            <a:extLst>
-              <a:ext uri="{28A0092B-C50C-407E-A947-70E740481C1C}">
-                <a14:useLocalDpi xmlns:a14="http://schemas.microsoft.com/office/drawing/2010/main" val="0"/>
-              </a:ext>
-            </a:extLst>
-          </a:blip>
-          <a:stretch>
-            <a:fillRect/>
-          </a:stretch>
-        </p:blipFill>
-        <p:spPr>
-          <a:xfrm>
-            <a:off x="0" y="0"/>
-            <a:ext cx="12192000" cy="6858000"/>
-          </a:xfrm>
-          <a:prstGeom prst="rect">
-            <a:avLst/>
-          </a:prstGeom>
-        </p:spPr>
-      </p:pic>
-      <p:sp>
-        <p:nvSpPr>
-          <p:cNvPr id="6" name="文本框 5">
-            <a:extLst>
-              <a:ext uri="{FF2B5EF4-FFF2-40B4-BE49-F238E27FC236}">
-                <a16:creationId xmlns:a16="http://schemas.microsoft.com/office/drawing/2014/main" id="{DEE7ABFF-053C-4FB8-A8CA-BD9AC614D5FC}"/>
-              </a:ext>
-            </a:extLst>
-          </p:cNvPr>
-          <p:cNvSpPr txBox="1"/>
-          <p:nvPr/>
-        </p:nvSpPr>
-        <p:spPr>
-          <a:xfrm>
-            <a:off x="1038225" y="1790700"/>
-            <a:ext cx="2677721" cy="1200329"/>
-          </a:xfrm>
-          <a:prstGeom prst="rect">
-            <a:avLst/>
-          </a:prstGeom>
-          <a:noFill/>
-        </p:spPr>
-        <p:txBody>
-          <a:bodyPr wrap="none" rtlCol="0">
-            <a:spAutoFit/>
-          </a:bodyPr>
-          <a:lstStyle/>
-          <a:p>
-            <a:r>
-              <a:rPr lang="en-US" altLang="zh-CN" sz="7200" dirty="0">
-                <a:latin typeface="微软雅黑" panose="020B0503020204020204" pitchFamily="34" charset="-122"/>
-                <a:ea typeface="微软雅黑" panose="020B0503020204020204" pitchFamily="34" charset="-122"/>
-              </a:rPr>
-              <a:t>Step4</a:t>
-            </a:r>
-            <a:endParaRPr lang="zh-CN" altLang="en-US" sz="7200" dirty="0">
-              <a:latin typeface="微软雅黑" panose="020B0503020204020204" pitchFamily="34" charset="-122"/>
-              <a:ea typeface="微软雅黑" panose="020B0503020204020204" pitchFamily="34" charset="-122"/>
-            </a:endParaRPr>
-          </a:p>
-        </p:txBody>
-      </p:sp>
-      <p:grpSp>
-        <p:nvGrpSpPr>
-          <p:cNvPr id="13" name="组合 12">
-            <a:extLst>
-              <a:ext uri="{FF2B5EF4-FFF2-40B4-BE49-F238E27FC236}">
-                <a16:creationId xmlns:a16="http://schemas.microsoft.com/office/drawing/2014/main" id="{DC6A3E25-607B-4C26-A1F0-D2FD7B7491B2}"/>
-              </a:ext>
-            </a:extLst>
-          </p:cNvPr>
-          <p:cNvGrpSpPr/>
-          <p:nvPr/>
-        </p:nvGrpSpPr>
-        <p:grpSpPr>
-          <a:xfrm>
-            <a:off x="6238875" y="1762125"/>
-            <a:ext cx="514350" cy="2638425"/>
-            <a:chOff x="5172075" y="1009650"/>
-            <a:chExt cx="514350" cy="2638425"/>
-          </a:xfrm>
-        </p:grpSpPr>
-        <p:cxnSp>
-          <p:nvCxnSpPr>
-            <p:cNvPr id="8" name="直接连接符 7">
-              <a:extLst>
-                <a:ext uri="{FF2B5EF4-FFF2-40B4-BE49-F238E27FC236}">
-                  <a16:creationId xmlns:a16="http://schemas.microsoft.com/office/drawing/2014/main" id="{19299AD8-9D60-4B43-ABC7-2974647016CC}"/>
-                </a:ext>
-              </a:extLst>
-            </p:cNvPr>
-            <p:cNvCxnSpPr/>
-            <p:nvPr/>
-          </p:nvCxnSpPr>
-          <p:spPr>
-            <a:xfrm>
-              <a:off x="5172075" y="1019175"/>
-              <a:ext cx="514350" cy="0"/>
-            </a:xfrm>
-            <a:prstGeom prst="line">
-              <a:avLst/>
-            </a:prstGeom>
-            <a:ln w="19050">
-              <a:solidFill>
-                <a:schemeClr val="tx1"/>
-              </a:solidFill>
-            </a:ln>
-          </p:spPr>
-          <p:style>
-            <a:lnRef idx="1">
-              <a:schemeClr val="accent1"/>
-            </a:lnRef>
-            <a:fillRef idx="0">
-              <a:schemeClr val="accent1"/>
-            </a:fillRef>
-            <a:effectRef idx="0">
-              <a:schemeClr val="accent1"/>
-            </a:effectRef>
-            <a:fontRef idx="minor">
-              <a:schemeClr val="tx1"/>
-            </a:fontRef>
-          </p:style>
-        </p:cxnSp>
-        <p:cxnSp>
-          <p:nvCxnSpPr>
-            <p:cNvPr id="10" name="直接连接符 9">
-              <a:extLst>
-                <a:ext uri="{FF2B5EF4-FFF2-40B4-BE49-F238E27FC236}">
-                  <a16:creationId xmlns:a16="http://schemas.microsoft.com/office/drawing/2014/main" id="{6A37A679-186A-4A1E-B6A5-EFFF25CC42D3}"/>
-                </a:ext>
-              </a:extLst>
-            </p:cNvPr>
-            <p:cNvCxnSpPr/>
-            <p:nvPr/>
-          </p:nvCxnSpPr>
-          <p:spPr>
-            <a:xfrm>
-              <a:off x="5172075" y="1009650"/>
-              <a:ext cx="0" cy="2628900"/>
-            </a:xfrm>
-            <a:prstGeom prst="line">
-              <a:avLst/>
-            </a:prstGeom>
-            <a:ln w="19050">
-              <a:solidFill>
-                <a:schemeClr val="tx1"/>
-              </a:solidFill>
-            </a:ln>
-          </p:spPr>
-          <p:style>
-            <a:lnRef idx="1">
-              <a:schemeClr val="accent1"/>
-            </a:lnRef>
-            <a:fillRef idx="0">
-              <a:schemeClr val="accent1"/>
-            </a:fillRef>
-            <a:effectRef idx="0">
-              <a:schemeClr val="accent1"/>
-            </a:effectRef>
-            <a:fontRef idx="minor">
-              <a:schemeClr val="tx1"/>
-            </a:fontRef>
-          </p:style>
-        </p:cxnSp>
-        <p:cxnSp>
-          <p:nvCxnSpPr>
-            <p:cNvPr id="12" name="直接连接符 11">
-              <a:extLst>
-                <a:ext uri="{FF2B5EF4-FFF2-40B4-BE49-F238E27FC236}">
-                  <a16:creationId xmlns:a16="http://schemas.microsoft.com/office/drawing/2014/main" id="{A598EE68-FC24-4471-8576-188585F328A6}"/>
-                </a:ext>
-              </a:extLst>
-            </p:cNvPr>
-            <p:cNvCxnSpPr/>
-            <p:nvPr/>
-          </p:nvCxnSpPr>
-          <p:spPr>
-            <a:xfrm>
-              <a:off x="5172075" y="3648075"/>
-              <a:ext cx="514350" cy="0"/>
-            </a:xfrm>
-            <a:prstGeom prst="line">
-              <a:avLst/>
-            </a:prstGeom>
-            <a:ln w="19050">
-              <a:solidFill>
-                <a:schemeClr val="tx1"/>
-              </a:solidFill>
-            </a:ln>
-          </p:spPr>
-          <p:style>
-            <a:lnRef idx="1">
-              <a:schemeClr val="accent1"/>
-            </a:lnRef>
-            <a:fillRef idx="0">
-              <a:schemeClr val="accent1"/>
-            </a:fillRef>
-            <a:effectRef idx="0">
-              <a:schemeClr val="accent1"/>
-            </a:effectRef>
-            <a:fontRef idx="minor">
-              <a:schemeClr val="tx1"/>
-            </a:fontRef>
-          </p:style>
-        </p:cxnSp>
-      </p:grpSp>
-      <p:grpSp>
-        <p:nvGrpSpPr>
-          <p:cNvPr id="14" name="组合 13">
-            <a:extLst>
-              <a:ext uri="{FF2B5EF4-FFF2-40B4-BE49-F238E27FC236}">
-                <a16:creationId xmlns:a16="http://schemas.microsoft.com/office/drawing/2014/main" id="{B3EEF745-95A8-47EC-8E31-49CCFC54D799}"/>
-              </a:ext>
-            </a:extLst>
-          </p:cNvPr>
-          <p:cNvGrpSpPr/>
-          <p:nvPr/>
-        </p:nvGrpSpPr>
-        <p:grpSpPr>
-          <a:xfrm flipH="1">
-            <a:off x="9338582" y="1771650"/>
-            <a:ext cx="514350" cy="2638425"/>
-            <a:chOff x="5172075" y="1009650"/>
-            <a:chExt cx="514350" cy="2638425"/>
-          </a:xfrm>
-        </p:grpSpPr>
-        <p:cxnSp>
-          <p:nvCxnSpPr>
-            <p:cNvPr id="15" name="直接连接符 14">
-              <a:extLst>
-                <a:ext uri="{FF2B5EF4-FFF2-40B4-BE49-F238E27FC236}">
-                  <a16:creationId xmlns:a16="http://schemas.microsoft.com/office/drawing/2014/main" id="{350EF985-F7A6-44D0-BC46-05E47DB63BD3}"/>
-                </a:ext>
-              </a:extLst>
-            </p:cNvPr>
-            <p:cNvCxnSpPr/>
-            <p:nvPr/>
-          </p:nvCxnSpPr>
-          <p:spPr>
-            <a:xfrm>
-              <a:off x="5172075" y="1019175"/>
-              <a:ext cx="514350" cy="0"/>
-            </a:xfrm>
-            <a:prstGeom prst="line">
-              <a:avLst/>
-            </a:prstGeom>
-            <a:ln w="19050">
-              <a:solidFill>
-                <a:schemeClr val="tx1"/>
-              </a:solidFill>
-            </a:ln>
-          </p:spPr>
-          <p:style>
-            <a:lnRef idx="1">
-              <a:schemeClr val="accent1"/>
-            </a:lnRef>
-            <a:fillRef idx="0">
-              <a:schemeClr val="accent1"/>
-            </a:fillRef>
-            <a:effectRef idx="0">
-              <a:schemeClr val="accent1"/>
-            </a:effectRef>
-            <a:fontRef idx="minor">
-              <a:schemeClr val="tx1"/>
-            </a:fontRef>
-          </p:style>
-        </p:cxnSp>
-        <p:cxnSp>
-          <p:nvCxnSpPr>
-            <p:cNvPr id="16" name="直接连接符 15">
-              <a:extLst>
-                <a:ext uri="{FF2B5EF4-FFF2-40B4-BE49-F238E27FC236}">
-                  <a16:creationId xmlns:a16="http://schemas.microsoft.com/office/drawing/2014/main" id="{613158D7-B3B7-4F14-B3C0-9F0F0E156F36}"/>
-                </a:ext>
-              </a:extLst>
-            </p:cNvPr>
-            <p:cNvCxnSpPr/>
-            <p:nvPr/>
-          </p:nvCxnSpPr>
-          <p:spPr>
-            <a:xfrm>
-              <a:off x="5172075" y="1009650"/>
-              <a:ext cx="0" cy="2628900"/>
-            </a:xfrm>
-            <a:prstGeom prst="line">
-              <a:avLst/>
-            </a:prstGeom>
-            <a:ln w="19050">
-              <a:solidFill>
-                <a:schemeClr val="tx1"/>
-              </a:solidFill>
-            </a:ln>
-          </p:spPr>
-          <p:style>
-            <a:lnRef idx="1">
-              <a:schemeClr val="accent1"/>
-            </a:lnRef>
-            <a:fillRef idx="0">
-              <a:schemeClr val="accent1"/>
-            </a:fillRef>
-            <a:effectRef idx="0">
-              <a:schemeClr val="accent1"/>
-            </a:effectRef>
-            <a:fontRef idx="minor">
-              <a:schemeClr val="tx1"/>
-            </a:fontRef>
-          </p:style>
-        </p:cxnSp>
-        <p:cxnSp>
-          <p:nvCxnSpPr>
-            <p:cNvPr id="17" name="直接连接符 16">
-              <a:extLst>
-                <a:ext uri="{FF2B5EF4-FFF2-40B4-BE49-F238E27FC236}">
-                  <a16:creationId xmlns:a16="http://schemas.microsoft.com/office/drawing/2014/main" id="{9699D8AB-8915-4F83-BEED-2722898F14E3}"/>
-                </a:ext>
-              </a:extLst>
-            </p:cNvPr>
-            <p:cNvCxnSpPr/>
-            <p:nvPr/>
-          </p:nvCxnSpPr>
-          <p:spPr>
-            <a:xfrm>
-              <a:off x="5172075" y="3648075"/>
-              <a:ext cx="514350" cy="0"/>
-            </a:xfrm>
-            <a:prstGeom prst="line">
-              <a:avLst/>
-            </a:prstGeom>
-            <a:ln w="19050">
-              <a:solidFill>
-                <a:schemeClr val="tx1"/>
-              </a:solidFill>
-            </a:ln>
-          </p:spPr>
-          <p:style>
-            <a:lnRef idx="1">
-              <a:schemeClr val="accent1"/>
-            </a:lnRef>
-            <a:fillRef idx="0">
-              <a:schemeClr val="accent1"/>
-            </a:fillRef>
-            <a:effectRef idx="0">
-              <a:schemeClr val="accent1"/>
-            </a:effectRef>
-            <a:fontRef idx="minor">
-              <a:schemeClr val="tx1"/>
-            </a:fontRef>
-          </p:style>
-        </p:cxnSp>
-      </p:grpSp>
-      <p:sp>
-        <p:nvSpPr>
-          <p:cNvPr id="18" name="矩形 17">
-            <a:extLst>
-              <a:ext uri="{FF2B5EF4-FFF2-40B4-BE49-F238E27FC236}">
-                <a16:creationId xmlns:a16="http://schemas.microsoft.com/office/drawing/2014/main" id="{268489CE-A8A8-49A9-9CE7-B88650BB13F9}"/>
-              </a:ext>
-            </a:extLst>
-          </p:cNvPr>
-          <p:cNvSpPr/>
-          <p:nvPr/>
-        </p:nvSpPr>
-        <p:spPr>
-          <a:xfrm>
-            <a:off x="7145657" y="1596509"/>
-            <a:ext cx="2227726" cy="369332"/>
-          </a:xfrm>
-          <a:prstGeom prst="rect">
-            <a:avLst/>
-          </a:prstGeom>
-        </p:spPr>
-        <p:txBody>
-          <a:bodyPr wrap="none">
-            <a:spAutoFit/>
-          </a:bodyPr>
-          <a:lstStyle/>
-          <a:p>
-            <a:r>
-              <a:rPr lang="en-US" altLang="zh-CN" dirty="0"/>
-              <a:t>Export data to MySQL</a:t>
-            </a:r>
-            <a:endParaRPr lang="zh-CN" altLang="en-US" dirty="0"/>
-          </a:p>
-        </p:txBody>
-      </p:sp>
-      <p:sp>
-        <p:nvSpPr>
-          <p:cNvPr id="19" name="矩形 18">
-            <a:extLst>
-              <a:ext uri="{FF2B5EF4-FFF2-40B4-BE49-F238E27FC236}">
-                <a16:creationId xmlns:a16="http://schemas.microsoft.com/office/drawing/2014/main" id="{66D50FBB-4F23-41BB-AEC6-75DBBCFEAA3B}"/>
-              </a:ext>
-            </a:extLst>
-          </p:cNvPr>
-          <p:cNvSpPr/>
-          <p:nvPr/>
-        </p:nvSpPr>
-        <p:spPr>
-          <a:xfrm>
-            <a:off x="6595383" y="2474223"/>
-            <a:ext cx="3038475" cy="646331"/>
-          </a:xfrm>
-          <a:prstGeom prst="rect">
-            <a:avLst/>
-          </a:prstGeom>
-        </p:spPr>
-        <p:txBody>
-          <a:bodyPr wrap="square">
-            <a:spAutoFit/>
-          </a:bodyPr>
-          <a:lstStyle/>
-          <a:p>
-            <a:r>
-              <a:rPr lang="en-US" altLang="zh-CN" sz="1200" dirty="0">
-                <a:solidFill>
-                  <a:schemeClr val="tx2">
-                    <a:lumMod val="25000"/>
-                  </a:schemeClr>
-                </a:solidFill>
-              </a:rPr>
-              <a:t>Since we are building a web application, I decided to use MySQL as relational database for performance and convenience.</a:t>
-            </a:r>
-            <a:endParaRPr lang="zh-CN" altLang="en-US" sz="1200" dirty="0">
-              <a:solidFill>
-                <a:schemeClr val="tx2">
-                  <a:lumMod val="25000"/>
-                </a:schemeClr>
-              </a:solidFill>
-            </a:endParaRPr>
-          </a:p>
-        </p:txBody>
-      </p:sp>
-    </p:spTree>
-    <p:extLst>
-      <p:ext uri="{BB962C8B-B14F-4D97-AF65-F5344CB8AC3E}">
-        <p14:creationId xmlns:p14="http://schemas.microsoft.com/office/powerpoint/2010/main" val="2438401503"/>
-      </p:ext>
-    </p:extLst>
-  </p:cSld>
-  <p:clrMapOvr>
-    <a:masterClrMapping/>
-  </p:clrMapOvr>
-  <mc:AlternateContent xmlns:mc="http://schemas.openxmlformats.org/markup-compatibility/2006" xmlns:p14="http://schemas.microsoft.com/office/powerpoint/2010/main">
-    <mc:Choice Requires="p14">
-      <p:transition spd="slow" p14:dur="1500">
-        <p:random/>
-      </p:transition>
-    </mc:Choice>
-    <mc:Fallback xmlns="">
-      <p:transition spd="slow">
-        <p:random/>
-      </p:transition>
-    </mc:Fallback>
-  </mc:AlternateContent>
-  <p:timing>
-    <p:tnLst>
-      <p:par>
-        <p:cTn id="1" dur="indefinite" restart="never" nodeType="tmRoot">
-          <p:childTnLst>
-            <p:seq concurrent="1" nextAc="seek">
-              <p:cTn id="2" dur="indefinite" nodeType="mainSeq">
-                <p:childTnLst>
-                  <p:par>
-                    <p:cTn id="3" fill="hold">
-                      <p:stCondLst>
-                        <p:cond delay="indefinite"/>
-                      </p:stCondLst>
-                      <p:childTnLst>
-                        <p:par>
-                          <p:cTn id="4" fill="hold">
-                            <p:stCondLst>
-                              <p:cond delay="0"/>
-                            </p:stCondLst>
-                            <p:childTnLst>
-                              <p:par>
-                                <p:cTn id="5" presetID="18" presetClass="entr" presetSubtype="12" fill="hold" nodeType="clickEffect">
-                                  <p:stCondLst>
-                                    <p:cond delay="0"/>
-                                  </p:stCondLst>
-                                  <p:childTnLst>
-                                    <p:set>
-                                      <p:cBhvr>
-                                        <p:cTn id="6" dur="1" fill="hold">
-                                          <p:stCondLst>
-                                            <p:cond delay="0"/>
-                                          </p:stCondLst>
-                                        </p:cTn>
-                                        <p:tgtEl>
-                                          <p:spTgt spid="5"/>
-                                        </p:tgtEl>
-                                        <p:attrNameLst>
-                                          <p:attrName>style.visibility</p:attrName>
-                                        </p:attrNameLst>
-                                      </p:cBhvr>
-                                      <p:to>
-                                        <p:strVal val="visible"/>
-                                      </p:to>
-                                    </p:set>
-                                    <p:animEffect transition="in" filter="strips(downLeft)">
-                                      <p:cBhvr>
-                                        <p:cTn id="7" dur="500"/>
-                                        <p:tgtEl>
-                                          <p:spTgt spid="5"/>
-                                        </p:tgtEl>
-                                      </p:cBhvr>
-                                    </p:animEffect>
-                                  </p:childTnLst>
-                                </p:cTn>
-                              </p:par>
-                            </p:childTnLst>
-                          </p:cTn>
-                        </p:par>
-                      </p:childTnLst>
-                    </p:cTn>
-                  </p:par>
-                  <p:par>
-                    <p:cTn id="8" fill="hold">
-                      <p:stCondLst>
-                        <p:cond delay="indefinite"/>
-                      </p:stCondLst>
-                      <p:childTnLst>
-                        <p:par>
-                          <p:cTn id="9" fill="hold">
-                            <p:stCondLst>
-                              <p:cond delay="0"/>
-                            </p:stCondLst>
-                            <p:childTnLst>
-                              <p:par>
-                                <p:cTn id="10" presetID="12" presetClass="entr" presetSubtype="2" fill="hold" grpId="0" nodeType="clickEffect">
-                                  <p:stCondLst>
-                                    <p:cond delay="0"/>
-                                  </p:stCondLst>
-                                  <p:childTnLst>
-                                    <p:set>
-                                      <p:cBhvr>
-                                        <p:cTn id="11" dur="1" fill="hold">
-                                          <p:stCondLst>
-                                            <p:cond delay="0"/>
-                                          </p:stCondLst>
-                                        </p:cTn>
-                                        <p:tgtEl>
-                                          <p:spTgt spid="6"/>
-                                        </p:tgtEl>
-                                        <p:attrNameLst>
-                                          <p:attrName>style.visibility</p:attrName>
-                                        </p:attrNameLst>
-                                      </p:cBhvr>
-                                      <p:to>
-                                        <p:strVal val="visible"/>
-                                      </p:to>
-                                    </p:set>
-                                    <p:anim calcmode="lin" valueType="num">
-                                      <p:cBhvr additive="base">
-                                        <p:cTn id="12" dur="500"/>
-                                        <p:tgtEl>
-                                          <p:spTgt spid="6"/>
-                                        </p:tgtEl>
-                                        <p:attrNameLst>
-                                          <p:attrName>ppt_x</p:attrName>
-                                        </p:attrNameLst>
-                                      </p:cBhvr>
-                                      <p:tavLst>
-                                        <p:tav tm="0">
-                                          <p:val>
-                                            <p:strVal val="#ppt_x+#ppt_w*1.125000"/>
-                                          </p:val>
-                                        </p:tav>
-                                        <p:tav tm="100000">
-                                          <p:val>
-                                            <p:strVal val="#ppt_x"/>
-                                          </p:val>
-                                        </p:tav>
-                                      </p:tavLst>
-                                    </p:anim>
-                                    <p:animEffect transition="in" filter="wipe(left)">
-                                      <p:cBhvr>
-                                        <p:cTn id="13" dur="500"/>
-                                        <p:tgtEl>
-                                          <p:spTgt spid="6"/>
-                                        </p:tgtEl>
-                                      </p:cBhvr>
-                                    </p:animEffect>
-                                  </p:childTnLst>
-                                </p:cTn>
-                              </p:par>
-                            </p:childTnLst>
-                          </p:cTn>
-                        </p:par>
-                      </p:childTnLst>
-                    </p:cTn>
-                  </p:par>
-                  <p:par>
-                    <p:cTn id="14" fill="hold">
-                      <p:stCondLst>
-                        <p:cond delay="indefinite"/>
-                      </p:stCondLst>
-                      <p:childTnLst>
-                        <p:par>
-                          <p:cTn id="15" fill="hold">
-                            <p:stCondLst>
-                              <p:cond delay="0"/>
-                            </p:stCondLst>
-                            <p:childTnLst>
-                              <p:par>
-                                <p:cTn id="16" presetID="22" presetClass="entr" presetSubtype="8" fill="hold" nodeType="clickEffect">
-                                  <p:stCondLst>
-                                    <p:cond delay="0"/>
-                                  </p:stCondLst>
-                                  <p:childTnLst>
-                                    <p:set>
-                                      <p:cBhvr>
-                                        <p:cTn id="17" dur="1" fill="hold">
-                                          <p:stCondLst>
-                                            <p:cond delay="0"/>
-                                          </p:stCondLst>
-                                        </p:cTn>
-                                        <p:tgtEl>
-                                          <p:spTgt spid="13"/>
-                                        </p:tgtEl>
-                                        <p:attrNameLst>
-                                          <p:attrName>style.visibility</p:attrName>
-                                        </p:attrNameLst>
-                                      </p:cBhvr>
-                                      <p:to>
-                                        <p:strVal val="visible"/>
-                                      </p:to>
-                                    </p:set>
-                                    <p:animEffect transition="in" filter="wipe(left)">
-                                      <p:cBhvr>
-                                        <p:cTn id="18" dur="500"/>
-                                        <p:tgtEl>
-                                          <p:spTgt spid="13"/>
-                                        </p:tgtEl>
-                                      </p:cBhvr>
-                                    </p:animEffect>
-                                  </p:childTnLst>
-                                </p:cTn>
-                              </p:par>
-                              <p:par>
-                                <p:cTn id="19" presetID="22" presetClass="entr" presetSubtype="2" fill="hold" nodeType="withEffect">
-                                  <p:stCondLst>
-                                    <p:cond delay="0"/>
-                                  </p:stCondLst>
-                                  <p:childTnLst>
-                                    <p:set>
-                                      <p:cBhvr>
-                                        <p:cTn id="20" dur="1" fill="hold">
-                                          <p:stCondLst>
-                                            <p:cond delay="0"/>
-                                          </p:stCondLst>
-                                        </p:cTn>
-                                        <p:tgtEl>
-                                          <p:spTgt spid="14"/>
-                                        </p:tgtEl>
-                                        <p:attrNameLst>
-                                          <p:attrName>style.visibility</p:attrName>
-                                        </p:attrNameLst>
-                                      </p:cBhvr>
-                                      <p:to>
-                                        <p:strVal val="visible"/>
-                                      </p:to>
-                                    </p:set>
-                                    <p:animEffect transition="in" filter="wipe(right)">
-                                      <p:cBhvr>
-                                        <p:cTn id="21" dur="500"/>
-                                        <p:tgtEl>
-                                          <p:spTgt spid="14"/>
-                                        </p:tgtEl>
-                                      </p:cBhvr>
-                                    </p:animEffect>
-                                  </p:childTnLst>
-                                </p:cTn>
-                              </p:par>
-                            </p:childTnLst>
-                          </p:cTn>
-                        </p:par>
-                      </p:childTnLst>
-                    </p:cTn>
-                  </p:par>
-                  <p:par>
-                    <p:cTn id="22" fill="hold">
-                      <p:stCondLst>
-                        <p:cond delay="indefinite"/>
-                      </p:stCondLst>
-                      <p:childTnLst>
-                        <p:par>
-                          <p:cTn id="23" fill="hold">
-                            <p:stCondLst>
-                              <p:cond delay="0"/>
-                            </p:stCondLst>
-                            <p:childTnLst>
-                              <p:par>
-                                <p:cTn id="24" presetID="14" presetClass="entr" presetSubtype="10" fill="hold" grpId="0" nodeType="clickEffect">
-                                  <p:stCondLst>
-                                    <p:cond delay="0"/>
-                                  </p:stCondLst>
-                                  <p:childTnLst>
-                                    <p:set>
-                                      <p:cBhvr>
-                                        <p:cTn id="25" dur="1" fill="hold">
-                                          <p:stCondLst>
-                                            <p:cond delay="0"/>
-                                          </p:stCondLst>
-                                        </p:cTn>
-                                        <p:tgtEl>
-                                          <p:spTgt spid="18"/>
-                                        </p:tgtEl>
-                                        <p:attrNameLst>
-                                          <p:attrName>style.visibility</p:attrName>
-                                        </p:attrNameLst>
-                                      </p:cBhvr>
-                                      <p:to>
-                                        <p:strVal val="visible"/>
-                                      </p:to>
-                                    </p:set>
-                                    <p:animEffect transition="in" filter="randombar(horizontal)">
-                                      <p:cBhvr>
-                                        <p:cTn id="26" dur="500"/>
-                                        <p:tgtEl>
-                                          <p:spTgt spid="18"/>
-                                        </p:tgtEl>
-                                      </p:cBhvr>
-                                    </p:animEffect>
-                                  </p:childTnLst>
-                                </p:cTn>
-                              </p:par>
-                            </p:childTnLst>
-                          </p:cTn>
-                        </p:par>
-                      </p:childTnLst>
-                    </p:cTn>
-                  </p:par>
-                  <p:par>
-                    <p:cTn id="27" fill="hold">
-                      <p:stCondLst>
-                        <p:cond delay="indefinite"/>
-                      </p:stCondLst>
-                      <p:childTnLst>
-                        <p:par>
-                          <p:cTn id="28" fill="hold">
-                            <p:stCondLst>
-                              <p:cond delay="0"/>
-                            </p:stCondLst>
-                            <p:childTnLst>
-                              <p:par>
-                                <p:cTn id="29" presetID="53" presetClass="entr" presetSubtype="16" fill="hold" grpId="0" nodeType="clickEffect">
-                                  <p:stCondLst>
-                                    <p:cond delay="0"/>
-                                  </p:stCondLst>
-                                  <p:childTnLst>
-                                    <p:set>
-                                      <p:cBhvr>
-                                        <p:cTn id="30" dur="1" fill="hold">
-                                          <p:stCondLst>
-                                            <p:cond delay="0"/>
-                                          </p:stCondLst>
-                                        </p:cTn>
-                                        <p:tgtEl>
-                                          <p:spTgt spid="19"/>
-                                        </p:tgtEl>
-                                        <p:attrNameLst>
-                                          <p:attrName>style.visibility</p:attrName>
-                                        </p:attrNameLst>
-                                      </p:cBhvr>
-                                      <p:to>
-                                        <p:strVal val="visible"/>
-                                      </p:to>
-                                    </p:set>
-                                    <p:anim calcmode="lin" valueType="num">
-                                      <p:cBhvr>
-                                        <p:cTn id="31" dur="500" fill="hold"/>
-                                        <p:tgtEl>
-                                          <p:spTgt spid="19"/>
-                                        </p:tgtEl>
-                                        <p:attrNameLst>
-                                          <p:attrName>ppt_w</p:attrName>
-                                        </p:attrNameLst>
-                                      </p:cBhvr>
-                                      <p:tavLst>
-                                        <p:tav tm="0">
-                                          <p:val>
-                                            <p:fltVal val="0"/>
-                                          </p:val>
-                                        </p:tav>
-                                        <p:tav tm="100000">
-                                          <p:val>
-                                            <p:strVal val="#ppt_w"/>
-                                          </p:val>
-                                        </p:tav>
-                                      </p:tavLst>
-                                    </p:anim>
-                                    <p:anim calcmode="lin" valueType="num">
-                                      <p:cBhvr>
-                                        <p:cTn id="32" dur="500" fill="hold"/>
-                                        <p:tgtEl>
-                                          <p:spTgt spid="19"/>
-                                        </p:tgtEl>
-                                        <p:attrNameLst>
-                                          <p:attrName>ppt_h</p:attrName>
-                                        </p:attrNameLst>
-                                      </p:cBhvr>
-                                      <p:tavLst>
-                                        <p:tav tm="0">
-                                          <p:val>
-                                            <p:fltVal val="0"/>
-                                          </p:val>
-                                        </p:tav>
-                                        <p:tav tm="100000">
-                                          <p:val>
-                                            <p:strVal val="#ppt_h"/>
-                                          </p:val>
-                                        </p:tav>
-                                      </p:tavLst>
-                                    </p:anim>
-                                    <p:animEffect transition="in" filter="fade">
-                                      <p:cBhvr>
-                                        <p:cTn id="33" dur="500"/>
-                                        <p:tgtEl>
-                                          <p:spTgt spid="19"/>
-                                        </p:tgtEl>
-                                      </p:cBhvr>
-                                    </p:animEffect>
-                                  </p:childTnLst>
-                                </p:cTn>
-                              </p:par>
-                            </p:childTnLst>
-                          </p:cTn>
-                        </p:par>
-                      </p:childTnLst>
-                    </p:cTn>
-                  </p:par>
-                </p:childTnLst>
-              </p:cTn>
-              <p:prevCondLst>
-                <p:cond evt="onPrev" delay="0">
-                  <p:tgtEl>
-                    <p:sldTgt/>
-                  </p:tgtEl>
-                </p:cond>
-              </p:prevCondLst>
-              <p:nextCondLst>
-                <p:cond evt="onNext" delay="0">
-                  <p:tgtEl>
-                    <p:sldTgt/>
-                  </p:tgtEl>
-                </p:cond>
-              </p:nextCondLst>
-            </p:seq>
-          </p:childTnLst>
-        </p:cTn>
-      </p:par>
-    </p:tnLst>
-    <p:bldLst>
-      <p:bldP spid="6" grpId="0"/>
-      <p:bldP spid="18" grpId="0"/>
-      <p:bldP spid="19" grpId="0"/>
     </p:bldLst>
   </p:timing>
 </p:sld>
